--- a/Documentation/SprintPresentations/Sprint3-Week1.pptx
+++ b/Documentation/SprintPresentations/Sprint3-Week1.pptx
@@ -5,7 +5,7 @@
     <p:sldMasterId id="2147483648" r:id="rId1"/>
   </p:sldMasterIdLst>
   <p:notesMasterIdLst>
-    <p:notesMasterId r:id="rId11"/>
+    <p:notesMasterId r:id="rId13"/>
   </p:notesMasterIdLst>
   <p:sldIdLst>
     <p:sldId id="256" r:id="rId2"/>
@@ -14,9 +14,11 @@
     <p:sldId id="282" r:id="rId5"/>
     <p:sldId id="259" r:id="rId6"/>
     <p:sldId id="260" r:id="rId7"/>
-    <p:sldId id="296" r:id="rId8"/>
-    <p:sldId id="294" r:id="rId9"/>
-    <p:sldId id="273" r:id="rId10"/>
+    <p:sldId id="298" r:id="rId8"/>
+    <p:sldId id="296" r:id="rId9"/>
+    <p:sldId id="294" r:id="rId10"/>
+    <p:sldId id="273" r:id="rId11"/>
+    <p:sldId id="297" r:id="rId12"/>
   </p:sldIdLst>
   <p:sldSz cx="12192000" cy="6858000"/>
   <p:notesSz cx="6858000" cy="9144000"/>
@@ -5201,6 +5203,1254 @@
 </p:sld>
 </file>
 
+<file path=ppt/slides/slide10.xml><?xml version="1.0" encoding="utf-8"?>
+<p:sld xmlns:a="http://schemas.openxmlformats.org/drawingml/2006/main" xmlns:r="http://schemas.openxmlformats.org/officeDocument/2006/relationships" xmlns:p="http://schemas.openxmlformats.org/presentationml/2006/main">
+  <p:cSld>
+    <p:spTree>
+      <p:nvGrpSpPr>
+        <p:cNvPr id="1" name=""/>
+        <p:cNvGrpSpPr/>
+        <p:nvPr/>
+      </p:nvGrpSpPr>
+      <p:grpSpPr>
+        <a:xfrm>
+          <a:off x="0" y="0"/>
+          <a:ext cx="0" cy="0"/>
+          <a:chOff x="0" y="0"/>
+          <a:chExt cx="0" cy="0"/>
+        </a:xfrm>
+      </p:grpSpPr>
+      <p:sp>
+        <p:nvSpPr>
+          <p:cNvPr id="24579" name="Google Shape;231;p23">
+            <a:extLst>
+              <a:ext uri="{FF2B5EF4-FFF2-40B4-BE49-F238E27FC236}">
+                <a16:creationId xmlns:a16="http://schemas.microsoft.com/office/drawing/2014/main" id="{350C80A0-B832-4796-B1DE-EE8C917973E9}"/>
+              </a:ext>
+            </a:extLst>
+          </p:cNvPr>
+          <p:cNvSpPr>
+            <a:spLocks noGrp="1" noChangeArrowheads="1"/>
+          </p:cNvSpPr>
+          <p:nvPr>
+            <p:ph type="sldNum" sz="quarter" idx="13"/>
+          </p:nvPr>
+        </p:nvSpPr>
+        <p:spPr bwMode="auto">
+          <a:xfrm>
+            <a:off x="8610600" y="6356350"/>
+            <a:ext cx="2743200" cy="365125"/>
+          </a:xfrm>
+          <a:prstGeom prst="rect">
+            <a:avLst/>
+          </a:prstGeom>
+          <a:noFill/>
+          <a:ln>
+            <a:noFill/>
+          </a:ln>
+          <a:extLst>
+            <a:ext uri="{909E8E84-426E-40DD-AFC4-6F175D3DCCD1}">
+              <a14:hiddenFill xmlns:a14="http://schemas.microsoft.com/office/drawing/2010/main">
+                <a:solidFill>
+                  <a:srgbClr val="FFFFFF"/>
+                </a:solidFill>
+              </a14:hiddenFill>
+            </a:ext>
+            <a:ext uri="{91240B29-F687-4F45-9708-019B960494DF}">
+              <a14:hiddenLine xmlns:a14="http://schemas.microsoft.com/office/drawing/2010/main" w="9525">
+                <a:solidFill>
+                  <a:srgbClr val="000000"/>
+                </a:solidFill>
+                <a:miter lim="800000"/>
+                <a:headEnd/>
+                <a:tailEnd/>
+              </a14:hiddenLine>
+            </a:ext>
+          </a:extLst>
+        </p:spPr>
+        <p:txBody>
+          <a:bodyPr vert="horz" wrap="square" lIns="91425" tIns="45700" rIns="91425" bIns="45700" numCol="1" anchor="ctr" anchorCtr="0" compatLnSpc="1">
+            <a:prstTxWarp prst="textNoShape">
+              <a:avLst/>
+            </a:prstTxWarp>
+          </a:bodyPr>
+          <a:lstStyle>
+            <a:defPPr>
+              <a:defRPr lang="en-US"/>
+            </a:defPPr>
+            <a:lvl1pPr algn="r" rtl="0" eaLnBrk="1" fontAlgn="base" hangingPunct="1">
+              <a:spcBef>
+                <a:spcPct val="0"/>
+              </a:spcBef>
+              <a:spcAft>
+                <a:spcPct val="0"/>
+              </a:spcAft>
+              <a:buClr>
+                <a:srgbClr val="000000"/>
+              </a:buClr>
+              <a:buFont typeface="Arial" panose="020B0604020202020204" pitchFamily="34" charset="0"/>
+              <a:buNone/>
+              <a:defRPr sz="1200" kern="1200" smtClean="0">
+                <a:solidFill>
+                  <a:srgbClr val="888888"/>
+                </a:solidFill>
+                <a:latin typeface="Arial" panose="020B0604020202020204" pitchFamily="34" charset="0"/>
+                <a:ea typeface="+mn-ea"/>
+                <a:cs typeface="Arial" panose="020B0604020202020204" pitchFamily="34" charset="0"/>
+                <a:sym typeface="Arial" panose="020B0604020202020204" pitchFamily="34" charset="0"/>
+              </a:defRPr>
+            </a:lvl1pPr>
+            <a:lvl2pPr marL="457200" algn="l" rtl="0" eaLnBrk="0" fontAlgn="base" hangingPunct="0">
+              <a:spcBef>
+                <a:spcPct val="0"/>
+              </a:spcBef>
+              <a:spcAft>
+                <a:spcPct val="0"/>
+              </a:spcAft>
+              <a:defRPr sz="1400" kern="1200">
+                <a:solidFill>
+                  <a:srgbClr val="000000"/>
+                </a:solidFill>
+                <a:latin typeface="Arial" panose="020B0604020202020204" pitchFamily="34" charset="0"/>
+                <a:ea typeface="+mn-ea"/>
+                <a:cs typeface="Arial" panose="020B0604020202020204" pitchFamily="34" charset="0"/>
+                <a:sym typeface="Arial" panose="020B0604020202020204" pitchFamily="34" charset="0"/>
+              </a:defRPr>
+            </a:lvl2pPr>
+            <a:lvl3pPr marL="914400" algn="l" rtl="0" eaLnBrk="0" fontAlgn="base" hangingPunct="0">
+              <a:spcBef>
+                <a:spcPct val="0"/>
+              </a:spcBef>
+              <a:spcAft>
+                <a:spcPct val="0"/>
+              </a:spcAft>
+              <a:defRPr sz="1400" kern="1200">
+                <a:solidFill>
+                  <a:srgbClr val="000000"/>
+                </a:solidFill>
+                <a:latin typeface="Arial" panose="020B0604020202020204" pitchFamily="34" charset="0"/>
+                <a:ea typeface="+mn-ea"/>
+                <a:cs typeface="Arial" panose="020B0604020202020204" pitchFamily="34" charset="0"/>
+                <a:sym typeface="Arial" panose="020B0604020202020204" pitchFamily="34" charset="0"/>
+              </a:defRPr>
+            </a:lvl3pPr>
+            <a:lvl4pPr marL="1371600" algn="l" rtl="0" eaLnBrk="0" fontAlgn="base" hangingPunct="0">
+              <a:spcBef>
+                <a:spcPct val="0"/>
+              </a:spcBef>
+              <a:spcAft>
+                <a:spcPct val="0"/>
+              </a:spcAft>
+              <a:defRPr sz="1400" kern="1200">
+                <a:solidFill>
+                  <a:srgbClr val="000000"/>
+                </a:solidFill>
+                <a:latin typeface="Arial" panose="020B0604020202020204" pitchFamily="34" charset="0"/>
+                <a:ea typeface="+mn-ea"/>
+                <a:cs typeface="Arial" panose="020B0604020202020204" pitchFamily="34" charset="0"/>
+                <a:sym typeface="Arial" panose="020B0604020202020204" pitchFamily="34" charset="0"/>
+              </a:defRPr>
+            </a:lvl4pPr>
+            <a:lvl5pPr marL="1828800" algn="l" rtl="0" eaLnBrk="0" fontAlgn="base" hangingPunct="0">
+              <a:spcBef>
+                <a:spcPct val="0"/>
+              </a:spcBef>
+              <a:spcAft>
+                <a:spcPct val="0"/>
+              </a:spcAft>
+              <a:defRPr sz="1400" kern="1200">
+                <a:solidFill>
+                  <a:srgbClr val="000000"/>
+                </a:solidFill>
+                <a:latin typeface="Arial" panose="020B0604020202020204" pitchFamily="34" charset="0"/>
+                <a:ea typeface="+mn-ea"/>
+                <a:cs typeface="Arial" panose="020B0604020202020204" pitchFamily="34" charset="0"/>
+                <a:sym typeface="Arial" panose="020B0604020202020204" pitchFamily="34" charset="0"/>
+              </a:defRPr>
+            </a:lvl5pPr>
+            <a:lvl6pPr marL="2286000" algn="l" defTabSz="914400" rtl="0" eaLnBrk="1" latinLnBrk="0" hangingPunct="1">
+              <a:defRPr sz="1400" kern="1200">
+                <a:solidFill>
+                  <a:srgbClr val="000000"/>
+                </a:solidFill>
+                <a:latin typeface="Arial" panose="020B0604020202020204" pitchFamily="34" charset="0"/>
+                <a:ea typeface="+mn-ea"/>
+                <a:cs typeface="Arial" panose="020B0604020202020204" pitchFamily="34" charset="0"/>
+                <a:sym typeface="Arial" panose="020B0604020202020204" pitchFamily="34" charset="0"/>
+              </a:defRPr>
+            </a:lvl6pPr>
+            <a:lvl7pPr marL="2743200" algn="l" defTabSz="914400" rtl="0" eaLnBrk="1" latinLnBrk="0" hangingPunct="1">
+              <a:defRPr sz="1400" kern="1200">
+                <a:solidFill>
+                  <a:srgbClr val="000000"/>
+                </a:solidFill>
+                <a:latin typeface="Arial" panose="020B0604020202020204" pitchFamily="34" charset="0"/>
+                <a:ea typeface="+mn-ea"/>
+                <a:cs typeface="Arial" panose="020B0604020202020204" pitchFamily="34" charset="0"/>
+                <a:sym typeface="Arial" panose="020B0604020202020204" pitchFamily="34" charset="0"/>
+              </a:defRPr>
+            </a:lvl7pPr>
+            <a:lvl8pPr marL="3200400" algn="l" defTabSz="914400" rtl="0" eaLnBrk="1" latinLnBrk="0" hangingPunct="1">
+              <a:defRPr sz="1400" kern="1200">
+                <a:solidFill>
+                  <a:srgbClr val="000000"/>
+                </a:solidFill>
+                <a:latin typeface="Arial" panose="020B0604020202020204" pitchFamily="34" charset="0"/>
+                <a:ea typeface="+mn-ea"/>
+                <a:cs typeface="Arial" panose="020B0604020202020204" pitchFamily="34" charset="0"/>
+                <a:sym typeface="Arial" panose="020B0604020202020204" pitchFamily="34" charset="0"/>
+              </a:defRPr>
+            </a:lvl8pPr>
+            <a:lvl9pPr marL="3657600" algn="l" defTabSz="914400" rtl="0" eaLnBrk="1" latinLnBrk="0" hangingPunct="1">
+              <a:defRPr sz="1400" kern="1200">
+                <a:solidFill>
+                  <a:srgbClr val="000000"/>
+                </a:solidFill>
+                <a:latin typeface="Arial" panose="020B0604020202020204" pitchFamily="34" charset="0"/>
+                <a:ea typeface="+mn-ea"/>
+                <a:cs typeface="Arial" panose="020B0604020202020204" pitchFamily="34" charset="0"/>
+                <a:sym typeface="Arial" panose="020B0604020202020204" pitchFamily="34" charset="0"/>
+              </a:defRPr>
+            </a:lvl9pPr>
+          </a:lstStyle>
+          <a:p>
+            <a:pPr>
+              <a:defRPr/>
+            </a:pPr>
+            <a:fld id="{FFB91C40-FCB9-4641-83DA-0013B503C4F6}" type="slidenum">
+              <a:rPr lang="en-US" altLang="en-US" smtClean="0"/>
+              <a:pPr>
+                <a:defRPr/>
+              </a:pPr>
+              <a:t>10</a:t>
+            </a:fld>
+            <a:endParaRPr lang="en-US" altLang="en-US" sz="1200">
+              <a:solidFill>
+                <a:srgbClr val="888888"/>
+              </a:solidFill>
+            </a:endParaRPr>
+          </a:p>
+        </p:txBody>
+      </p:sp>
+      <p:sp>
+        <p:nvSpPr>
+          <p:cNvPr id="24580" name="Google Shape;232;p23">
+            <a:extLst>
+              <a:ext uri="{FF2B5EF4-FFF2-40B4-BE49-F238E27FC236}">
+                <a16:creationId xmlns:a16="http://schemas.microsoft.com/office/drawing/2014/main" id="{B8E31E7C-867A-47AA-9946-1E677A8F0ADB}"/>
+              </a:ext>
+            </a:extLst>
+          </p:cNvPr>
+          <p:cNvSpPr txBox="1">
+            <a:spLocks noChangeArrowheads="1"/>
+          </p:cNvSpPr>
+          <p:nvPr/>
+        </p:nvSpPr>
+        <p:spPr bwMode="auto">
+          <a:xfrm>
+            <a:off x="201613" y="92075"/>
+            <a:ext cx="6608762" cy="714375"/>
+          </a:xfrm>
+          <a:prstGeom prst="rect">
+            <a:avLst/>
+          </a:prstGeom>
+          <a:noFill/>
+          <a:ln w="9525">
+            <a:solidFill>
+              <a:schemeClr val="tx1"/>
+            </a:solidFill>
+            <a:round/>
+            <a:headEnd type="none" w="sm" len="sm"/>
+            <a:tailEnd type="none" w="sm" len="sm"/>
+          </a:ln>
+          <a:extLst>
+            <a:ext uri="{909E8E84-426E-40DD-AFC4-6F175D3DCCD1}">
+              <a14:hiddenFill xmlns:a14="http://schemas.microsoft.com/office/drawing/2010/main">
+                <a:solidFill>
+                  <a:srgbClr val="FFFFFF"/>
+                </a:solidFill>
+              </a14:hiddenFill>
+            </a:ext>
+          </a:extLst>
+        </p:spPr>
+        <p:txBody>
+          <a:bodyPr lIns="91425" tIns="45700" rIns="91425" bIns="45700" anchor="ctr"/>
+          <a:lstStyle>
+            <a:lvl1pPr>
+              <a:buClr>
+                <a:srgbClr val="000000"/>
+              </a:buClr>
+              <a:buFont typeface="Arial" panose="020B0604020202020204" pitchFamily="34" charset="0"/>
+              <a:defRPr sz="1400">
+                <a:solidFill>
+                  <a:srgbClr val="000000"/>
+                </a:solidFill>
+                <a:latin typeface="Arial" panose="020B0604020202020204" pitchFamily="34" charset="0"/>
+                <a:cs typeface="Arial" panose="020B0604020202020204" pitchFamily="34" charset="0"/>
+                <a:sym typeface="Arial" panose="020B0604020202020204" pitchFamily="34" charset="0"/>
+              </a:defRPr>
+            </a:lvl1pPr>
+            <a:lvl2pPr marL="742950" indent="-285750">
+              <a:buClr>
+                <a:srgbClr val="000000"/>
+              </a:buClr>
+              <a:buFont typeface="Arial" panose="020B0604020202020204" pitchFamily="34" charset="0"/>
+              <a:defRPr sz="1400">
+                <a:solidFill>
+                  <a:srgbClr val="000000"/>
+                </a:solidFill>
+                <a:latin typeface="Arial" panose="020B0604020202020204" pitchFamily="34" charset="0"/>
+                <a:cs typeface="Arial" panose="020B0604020202020204" pitchFamily="34" charset="0"/>
+                <a:sym typeface="Arial" panose="020B0604020202020204" pitchFamily="34" charset="0"/>
+              </a:defRPr>
+            </a:lvl2pPr>
+            <a:lvl3pPr marL="1143000" indent="-228600">
+              <a:buClr>
+                <a:srgbClr val="000000"/>
+              </a:buClr>
+              <a:buFont typeface="Arial" panose="020B0604020202020204" pitchFamily="34" charset="0"/>
+              <a:defRPr sz="1400">
+                <a:solidFill>
+                  <a:srgbClr val="000000"/>
+                </a:solidFill>
+                <a:latin typeface="Arial" panose="020B0604020202020204" pitchFamily="34" charset="0"/>
+                <a:cs typeface="Arial" panose="020B0604020202020204" pitchFamily="34" charset="0"/>
+                <a:sym typeface="Arial" panose="020B0604020202020204" pitchFamily="34" charset="0"/>
+              </a:defRPr>
+            </a:lvl3pPr>
+            <a:lvl4pPr marL="1600200" indent="-228600">
+              <a:buClr>
+                <a:srgbClr val="000000"/>
+              </a:buClr>
+              <a:buFont typeface="Arial" panose="020B0604020202020204" pitchFamily="34" charset="0"/>
+              <a:defRPr sz="1400">
+                <a:solidFill>
+                  <a:srgbClr val="000000"/>
+                </a:solidFill>
+                <a:latin typeface="Arial" panose="020B0604020202020204" pitchFamily="34" charset="0"/>
+                <a:cs typeface="Arial" panose="020B0604020202020204" pitchFamily="34" charset="0"/>
+                <a:sym typeface="Arial" panose="020B0604020202020204" pitchFamily="34" charset="0"/>
+              </a:defRPr>
+            </a:lvl4pPr>
+            <a:lvl5pPr marL="2057400" indent="-228600">
+              <a:buClr>
+                <a:srgbClr val="000000"/>
+              </a:buClr>
+              <a:buFont typeface="Arial" panose="020B0604020202020204" pitchFamily="34" charset="0"/>
+              <a:defRPr sz="1400">
+                <a:solidFill>
+                  <a:srgbClr val="000000"/>
+                </a:solidFill>
+                <a:latin typeface="Arial" panose="020B0604020202020204" pitchFamily="34" charset="0"/>
+                <a:cs typeface="Arial" panose="020B0604020202020204" pitchFamily="34" charset="0"/>
+                <a:sym typeface="Arial" panose="020B0604020202020204" pitchFamily="34" charset="0"/>
+              </a:defRPr>
+            </a:lvl5pPr>
+            <a:lvl6pPr marL="2514600" indent="-228600" eaLnBrk="0" fontAlgn="base" hangingPunct="0">
+              <a:spcBef>
+                <a:spcPct val="0"/>
+              </a:spcBef>
+              <a:spcAft>
+                <a:spcPct val="0"/>
+              </a:spcAft>
+              <a:buClr>
+                <a:srgbClr val="000000"/>
+              </a:buClr>
+              <a:buFont typeface="Arial" panose="020B0604020202020204" pitchFamily="34" charset="0"/>
+              <a:defRPr sz="1400">
+                <a:solidFill>
+                  <a:srgbClr val="000000"/>
+                </a:solidFill>
+                <a:latin typeface="Arial" panose="020B0604020202020204" pitchFamily="34" charset="0"/>
+                <a:cs typeface="Arial" panose="020B0604020202020204" pitchFamily="34" charset="0"/>
+                <a:sym typeface="Arial" panose="020B0604020202020204" pitchFamily="34" charset="0"/>
+              </a:defRPr>
+            </a:lvl6pPr>
+            <a:lvl7pPr marL="2971800" indent="-228600" eaLnBrk="0" fontAlgn="base" hangingPunct="0">
+              <a:spcBef>
+                <a:spcPct val="0"/>
+              </a:spcBef>
+              <a:spcAft>
+                <a:spcPct val="0"/>
+              </a:spcAft>
+              <a:buClr>
+                <a:srgbClr val="000000"/>
+              </a:buClr>
+              <a:buFont typeface="Arial" panose="020B0604020202020204" pitchFamily="34" charset="0"/>
+              <a:defRPr sz="1400">
+                <a:solidFill>
+                  <a:srgbClr val="000000"/>
+                </a:solidFill>
+                <a:latin typeface="Arial" panose="020B0604020202020204" pitchFamily="34" charset="0"/>
+                <a:cs typeface="Arial" panose="020B0604020202020204" pitchFamily="34" charset="0"/>
+                <a:sym typeface="Arial" panose="020B0604020202020204" pitchFamily="34" charset="0"/>
+              </a:defRPr>
+            </a:lvl7pPr>
+            <a:lvl8pPr marL="3429000" indent="-228600" eaLnBrk="0" fontAlgn="base" hangingPunct="0">
+              <a:spcBef>
+                <a:spcPct val="0"/>
+              </a:spcBef>
+              <a:spcAft>
+                <a:spcPct val="0"/>
+              </a:spcAft>
+              <a:buClr>
+                <a:srgbClr val="000000"/>
+              </a:buClr>
+              <a:buFont typeface="Arial" panose="020B0604020202020204" pitchFamily="34" charset="0"/>
+              <a:defRPr sz="1400">
+                <a:solidFill>
+                  <a:srgbClr val="000000"/>
+                </a:solidFill>
+                <a:latin typeface="Arial" panose="020B0604020202020204" pitchFamily="34" charset="0"/>
+                <a:cs typeface="Arial" panose="020B0604020202020204" pitchFamily="34" charset="0"/>
+                <a:sym typeface="Arial" panose="020B0604020202020204" pitchFamily="34" charset="0"/>
+              </a:defRPr>
+            </a:lvl8pPr>
+            <a:lvl9pPr marL="3886200" indent="-228600" eaLnBrk="0" fontAlgn="base" hangingPunct="0">
+              <a:spcBef>
+                <a:spcPct val="0"/>
+              </a:spcBef>
+              <a:spcAft>
+                <a:spcPct val="0"/>
+              </a:spcAft>
+              <a:buClr>
+                <a:srgbClr val="000000"/>
+              </a:buClr>
+              <a:buFont typeface="Arial" panose="020B0604020202020204" pitchFamily="34" charset="0"/>
+              <a:defRPr sz="1400">
+                <a:solidFill>
+                  <a:srgbClr val="000000"/>
+                </a:solidFill>
+                <a:latin typeface="Arial" panose="020B0604020202020204" pitchFamily="34" charset="0"/>
+                <a:cs typeface="Arial" panose="020B0604020202020204" pitchFamily="34" charset="0"/>
+                <a:sym typeface="Arial" panose="020B0604020202020204" pitchFamily="34" charset="0"/>
+              </a:defRPr>
+            </a:lvl9pPr>
+          </a:lstStyle>
+          <a:p>
+            <a:pPr algn="ctr" eaLnBrk="1" hangingPunct="1">
+              <a:lnSpc>
+                <a:spcPct val="90000"/>
+              </a:lnSpc>
+              <a:buSzPts val="2800"/>
+              <a:buFont typeface="Helvetica Neue" charset="0"/>
+              <a:buNone/>
+            </a:pPr>
+            <a:r>
+              <a:rPr lang="en-US" altLang="en-US" sz="2800">
+                <a:latin typeface="Helvetica Neue" charset="0"/>
+                <a:cs typeface="Helvetica Neue" charset="0"/>
+                <a:sym typeface="Helvetica Neue" charset="0"/>
+              </a:rPr>
+              <a:t>Understanding of Potential Algorithms</a:t>
+            </a:r>
+            <a:endParaRPr lang="en-US" altLang="en-US">
+              <a:cs typeface="Helvetica Neue" charset="0"/>
+            </a:endParaRPr>
+          </a:p>
+        </p:txBody>
+      </p:sp>
+      <p:sp>
+        <p:nvSpPr>
+          <p:cNvPr id="233" name="Google Shape;233;p23">
+            <a:extLst>
+              <a:ext uri="{FF2B5EF4-FFF2-40B4-BE49-F238E27FC236}">
+                <a16:creationId xmlns:a16="http://schemas.microsoft.com/office/drawing/2014/main" id="{5DDB50DE-F9D5-4A62-AB96-36CC529C12F6}"/>
+              </a:ext>
+            </a:extLst>
+          </p:cNvPr>
+          <p:cNvSpPr txBox="1"/>
+          <p:nvPr/>
+        </p:nvSpPr>
+        <p:spPr>
+          <a:xfrm>
+            <a:off x="431800" y="866775"/>
+            <a:ext cx="9550400" cy="4702175"/>
+          </a:xfrm>
+          <a:prstGeom prst="rect">
+            <a:avLst/>
+          </a:prstGeom>
+          <a:noFill/>
+          <a:ln>
+            <a:noFill/>
+          </a:ln>
+        </p:spPr>
+        <p:txBody>
+          <a:bodyPr spcFirstLastPara="1" lIns="91425" tIns="45700" rIns="91425" bIns="45700"/>
+          <a:lstStyle/>
+          <a:p>
+            <a:pPr marL="342900" indent="-342900" eaLnBrk="1" fontAlgn="auto" hangingPunct="1">
+              <a:lnSpc>
+                <a:spcPct val="200000"/>
+              </a:lnSpc>
+              <a:spcBef>
+                <a:spcPts val="0"/>
+              </a:spcBef>
+              <a:spcAft>
+                <a:spcPts val="0"/>
+              </a:spcAft>
+              <a:buClr>
+                <a:schemeClr val="dk1"/>
+              </a:buClr>
+              <a:buSzPts val="2100"/>
+              <a:buFont typeface="Wingdings" panose="05000000000000000000" pitchFamily="2" charset="2"/>
+              <a:buChar char="q"/>
+              <a:defRPr/>
+            </a:pPr>
+            <a:r>
+              <a:rPr lang="en-US" sz="2100" kern="0" dirty="0" err="1">
+                <a:solidFill>
+                  <a:schemeClr val="dk1"/>
+                </a:solidFill>
+                <a:ea typeface="Arial"/>
+                <a:cs typeface="Arial"/>
+                <a:sym typeface="Arial"/>
+              </a:rPr>
+              <a:t>SafariBooksOnline</a:t>
+            </a:r>
+            <a:endParaRPr lang="en-US" sz="2100" kern="0" dirty="0">
+              <a:solidFill>
+                <a:schemeClr val="dk1"/>
+              </a:solidFill>
+              <a:ea typeface="Arial"/>
+              <a:cs typeface="Arial"/>
+              <a:sym typeface="Arial"/>
+            </a:endParaRPr>
+          </a:p>
+          <a:p>
+            <a:pPr eaLnBrk="1" fontAlgn="auto" hangingPunct="1">
+              <a:lnSpc>
+                <a:spcPct val="200000"/>
+              </a:lnSpc>
+              <a:spcBef>
+                <a:spcPts val="0"/>
+              </a:spcBef>
+              <a:spcAft>
+                <a:spcPts val="0"/>
+              </a:spcAft>
+              <a:buClr>
+                <a:schemeClr val="dk1"/>
+              </a:buClr>
+              <a:buSzPts val="2100"/>
+              <a:defRPr/>
+            </a:pPr>
+            <a:endParaRPr lang="en-US" sz="2100" kern="0" dirty="0">
+              <a:solidFill>
+                <a:schemeClr val="dk1"/>
+              </a:solidFill>
+              <a:ea typeface="Arial"/>
+              <a:cs typeface="Arial"/>
+              <a:sym typeface="Arial"/>
+            </a:endParaRPr>
+          </a:p>
+          <a:p>
+            <a:pPr marL="742950" lvl="1" indent="-285750">
+              <a:buClr>
+                <a:schemeClr val="dk1"/>
+              </a:buClr>
+              <a:buSzPts val="2100"/>
+              <a:buFont typeface="Wingdings" panose="05000000000000000000" pitchFamily="2" charset="2"/>
+              <a:buChar char="§"/>
+              <a:defRPr/>
+            </a:pPr>
+            <a:r>
+              <a:rPr lang="en-US" kern="0" dirty="0">
+                <a:solidFill>
+                  <a:schemeClr val="dk1"/>
+                </a:solidFill>
+                <a:cs typeface="Arial"/>
+              </a:rPr>
+              <a:t>Deep Learning with TensorFlow: Applications of Deep Neural Networks to Machine Learning Task – Jon </a:t>
+            </a:r>
+            <a:r>
+              <a:rPr lang="en-US" kern="0" dirty="0" err="1">
+                <a:solidFill>
+                  <a:schemeClr val="dk1"/>
+                </a:solidFill>
+                <a:cs typeface="Arial"/>
+              </a:rPr>
+              <a:t>Krohn</a:t>
+            </a:r>
+            <a:endParaRPr lang="en-US" kern="0" dirty="0">
+              <a:solidFill>
+                <a:schemeClr val="dk1"/>
+              </a:solidFill>
+              <a:cs typeface="Arial"/>
+            </a:endParaRPr>
+          </a:p>
+          <a:p>
+            <a:pPr marL="742950" lvl="1" indent="-285750">
+              <a:buClr>
+                <a:schemeClr val="dk1"/>
+              </a:buClr>
+              <a:buSzPts val="2100"/>
+              <a:buFont typeface="Wingdings" panose="05000000000000000000" pitchFamily="2" charset="2"/>
+              <a:buChar char="§"/>
+              <a:defRPr/>
+            </a:pPr>
+            <a:endParaRPr lang="en-US" sz="2100" kern="0" dirty="0">
+              <a:solidFill>
+                <a:schemeClr val="dk1"/>
+              </a:solidFill>
+              <a:ea typeface="Arial"/>
+              <a:cs typeface="Arial"/>
+              <a:sym typeface="Arial"/>
+            </a:endParaRPr>
+          </a:p>
+          <a:p>
+            <a:pPr lvl="1">
+              <a:buClr>
+                <a:schemeClr val="dk1"/>
+              </a:buClr>
+              <a:buSzPts val="2100"/>
+              <a:defRPr/>
+            </a:pPr>
+            <a:endParaRPr lang="en-US" sz="2100" kern="0" dirty="0">
+              <a:solidFill>
+                <a:schemeClr val="dk1"/>
+              </a:solidFill>
+              <a:ea typeface="Arial"/>
+              <a:cs typeface="Arial"/>
+              <a:sym typeface="Arial"/>
+            </a:endParaRPr>
+          </a:p>
+          <a:p>
+            <a:pPr marL="342900" indent="-342900" eaLnBrk="1" fontAlgn="auto" hangingPunct="1">
+              <a:spcBef>
+                <a:spcPts val="0"/>
+              </a:spcBef>
+              <a:spcAft>
+                <a:spcPts val="0"/>
+              </a:spcAft>
+              <a:buClr>
+                <a:schemeClr val="dk1"/>
+              </a:buClr>
+              <a:buSzPts val="2100"/>
+              <a:buFont typeface="Wingdings" panose="05000000000000000000" pitchFamily="2" charset="2"/>
+              <a:buChar char="q"/>
+              <a:defRPr/>
+            </a:pPr>
+            <a:r>
+              <a:rPr lang="en-US" sz="2100" kern="0" dirty="0">
+                <a:solidFill>
+                  <a:schemeClr val="dk1"/>
+                </a:solidFill>
+                <a:ea typeface="Arial"/>
+                <a:cs typeface="Arial"/>
+                <a:sym typeface="Arial"/>
+              </a:rPr>
+              <a:t>Previous coursework material – GMU CS580 (attended by team member)</a:t>
+            </a:r>
+          </a:p>
+          <a:p>
+            <a:pPr eaLnBrk="1" fontAlgn="auto" hangingPunct="1">
+              <a:lnSpc>
+                <a:spcPct val="200000"/>
+              </a:lnSpc>
+              <a:spcBef>
+                <a:spcPts val="0"/>
+              </a:spcBef>
+              <a:spcAft>
+                <a:spcPts val="0"/>
+              </a:spcAft>
+              <a:buClr>
+                <a:schemeClr val="dk1"/>
+              </a:buClr>
+              <a:buSzPts val="2100"/>
+              <a:defRPr/>
+            </a:pPr>
+            <a:endParaRPr lang="en-US" dirty="0"/>
+          </a:p>
+        </p:txBody>
+      </p:sp>
+      <p:pic>
+        <p:nvPicPr>
+          <p:cNvPr id="6" name="Picture 5">
+            <a:extLst>
+              <a:ext uri="{FF2B5EF4-FFF2-40B4-BE49-F238E27FC236}">
+                <a16:creationId xmlns:a16="http://schemas.microsoft.com/office/drawing/2014/main" id="{0BD6E664-60BB-4AB6-86BE-3A04A08B6B2C}"/>
+              </a:ext>
+            </a:extLst>
+          </p:cNvPr>
+          <p:cNvPicPr>
+            <a:picLocks noChangeAspect="1"/>
+          </p:cNvPicPr>
+          <p:nvPr/>
+        </p:nvPicPr>
+        <p:blipFill>
+          <a:blip r:embed="rId3"/>
+          <a:stretch>
+            <a:fillRect/>
+          </a:stretch>
+        </p:blipFill>
+        <p:spPr>
+          <a:xfrm>
+            <a:off x="10959428" y="136525"/>
+            <a:ext cx="1032088" cy="1226186"/>
+          </a:xfrm>
+          <a:prstGeom prst="rect">
+            <a:avLst/>
+          </a:prstGeom>
+        </p:spPr>
+      </p:pic>
+    </p:spTree>
+  </p:cSld>
+  <p:clrMapOvr>
+    <a:masterClrMapping/>
+  </p:clrMapOvr>
+</p:sld>
+</file>
+
+<file path=ppt/slides/slide11.xml><?xml version="1.0" encoding="utf-8"?>
+<p:sld xmlns:a="http://schemas.openxmlformats.org/drawingml/2006/main" xmlns:r="http://schemas.openxmlformats.org/officeDocument/2006/relationships" xmlns:p="http://schemas.openxmlformats.org/presentationml/2006/main">
+  <p:cSld>
+    <p:spTree>
+      <p:nvGrpSpPr>
+        <p:cNvPr id="1" name=""/>
+        <p:cNvGrpSpPr/>
+        <p:nvPr/>
+      </p:nvGrpSpPr>
+      <p:grpSpPr>
+        <a:xfrm>
+          <a:off x="0" y="0"/>
+          <a:ext cx="0" cy="0"/>
+          <a:chOff x="0" y="0"/>
+          <a:chExt cx="0" cy="0"/>
+        </a:xfrm>
+      </p:grpSpPr>
+      <p:pic>
+        <p:nvPicPr>
+          <p:cNvPr id="2" name="Picture 1">
+            <a:extLst>
+              <a:ext uri="{FF2B5EF4-FFF2-40B4-BE49-F238E27FC236}">
+                <a16:creationId xmlns:a16="http://schemas.microsoft.com/office/drawing/2014/main" id="{60205305-74FA-4321-8B37-1E88783E4D4C}"/>
+              </a:ext>
+            </a:extLst>
+          </p:cNvPr>
+          <p:cNvPicPr>
+            <a:picLocks noChangeAspect="1"/>
+          </p:cNvPicPr>
+          <p:nvPr/>
+        </p:nvPicPr>
+        <p:blipFill>
+          <a:blip r:embed="rId2"/>
+          <a:stretch>
+            <a:fillRect/>
+          </a:stretch>
+        </p:blipFill>
+        <p:spPr>
+          <a:xfrm>
+            <a:off x="10959428" y="136525"/>
+            <a:ext cx="1032088" cy="1226186"/>
+          </a:xfrm>
+          <a:prstGeom prst="rect">
+            <a:avLst/>
+          </a:prstGeom>
+        </p:spPr>
+      </p:pic>
+      <p:sp>
+        <p:nvSpPr>
+          <p:cNvPr id="3" name="Rectangle 2">
+            <a:extLst>
+              <a:ext uri="{FF2B5EF4-FFF2-40B4-BE49-F238E27FC236}">
+                <a16:creationId xmlns:a16="http://schemas.microsoft.com/office/drawing/2014/main" id="{CD3CDACE-5939-43DF-8F43-1734C14962DD}"/>
+              </a:ext>
+            </a:extLst>
+          </p:cNvPr>
+          <p:cNvSpPr/>
+          <p:nvPr/>
+        </p:nvSpPr>
+        <p:spPr>
+          <a:xfrm>
+            <a:off x="409575" y="749618"/>
+            <a:ext cx="9144000" cy="6512680"/>
+          </a:xfrm>
+          <a:prstGeom prst="rect">
+            <a:avLst/>
+          </a:prstGeom>
+        </p:spPr>
+        <p:txBody>
+          <a:bodyPr wrap="square">
+            <a:spAutoFit/>
+          </a:bodyPr>
+          <a:lstStyle/>
+          <a:p>
+            <a:pPr marL="342900" indent="-342900">
+              <a:lnSpc>
+                <a:spcPct val="200000"/>
+              </a:lnSpc>
+              <a:buClr>
+                <a:schemeClr val="dk1"/>
+              </a:buClr>
+              <a:buSzPts val="2100"/>
+              <a:buFont typeface="Wingdings" panose="05000000000000000000" pitchFamily="2" charset="2"/>
+              <a:buChar char="q"/>
+              <a:defRPr/>
+            </a:pPr>
+            <a:r>
+              <a:rPr lang="en-US" altLang="zh-CN" sz="2100" kern="0" dirty="0">
+                <a:ea typeface="Arial"/>
+                <a:cs typeface="Arial"/>
+                <a:sym typeface="Arial"/>
+              </a:rPr>
+              <a:t>Publication/Articles </a:t>
+            </a:r>
+          </a:p>
+          <a:p>
+            <a:pPr>
+              <a:lnSpc>
+                <a:spcPct val="150000"/>
+              </a:lnSpc>
+              <a:buClr>
+                <a:schemeClr val="dk1"/>
+              </a:buClr>
+              <a:buSzPts val="2100"/>
+              <a:defRPr/>
+            </a:pPr>
+            <a:r>
+              <a:rPr lang="en-US" altLang="zh-CN" dirty="0">
+                <a:hlinkClick r:id="rId3"/>
+              </a:rPr>
+              <a:t>https://blog.keras.io/building-powerful-image-classification-models-using-very-little-data.html</a:t>
+            </a:r>
+            <a:endParaRPr lang="en-US" altLang="zh-CN" dirty="0"/>
+          </a:p>
+          <a:p>
+            <a:pPr>
+              <a:lnSpc>
+                <a:spcPct val="150000"/>
+              </a:lnSpc>
+              <a:buClr>
+                <a:schemeClr val="dk1"/>
+              </a:buClr>
+              <a:buSzPts val="2100"/>
+              <a:defRPr/>
+            </a:pPr>
+            <a:r>
+              <a:rPr lang="en-US" altLang="zh-CN" dirty="0">
+                <a:hlinkClick r:id="rId4"/>
+              </a:rPr>
+              <a:t>https://machinelearningmastery.com/cnn-long-short-term-memory-networks/</a:t>
+            </a:r>
+            <a:endParaRPr lang="en-US" altLang="zh-CN" dirty="0"/>
+          </a:p>
+          <a:p>
+            <a:pPr>
+              <a:lnSpc>
+                <a:spcPct val="150000"/>
+              </a:lnSpc>
+              <a:buClr>
+                <a:schemeClr val="dk1"/>
+              </a:buClr>
+              <a:buSzPts val="2100"/>
+              <a:defRPr/>
+            </a:pPr>
+            <a:r>
+              <a:rPr lang="en-US" altLang="zh-CN" dirty="0">
+                <a:hlinkClick r:id="rId5"/>
+              </a:rPr>
+              <a:t>https://blog.algorithmia.com/introduction-to-deep-learning/</a:t>
+            </a:r>
+            <a:endParaRPr lang="en-US" altLang="zh-CN" dirty="0"/>
+          </a:p>
+          <a:p>
+            <a:pPr>
+              <a:lnSpc>
+                <a:spcPct val="150000"/>
+              </a:lnSpc>
+              <a:buClr>
+                <a:schemeClr val="dk1"/>
+              </a:buClr>
+              <a:buSzPts val="2100"/>
+              <a:defRPr/>
+            </a:pPr>
+            <a:r>
+              <a:rPr lang="en-US" altLang="zh-CN" dirty="0">
+                <a:hlinkClick r:id="rId6"/>
+              </a:rPr>
+              <a:t>https://link.springer.com/chapter/10.1007/978-3-030-01424-7_25</a:t>
+            </a:r>
+            <a:endParaRPr lang="en-US" altLang="zh-CN" dirty="0"/>
+          </a:p>
+          <a:p>
+            <a:pPr>
+              <a:lnSpc>
+                <a:spcPct val="150000"/>
+              </a:lnSpc>
+              <a:buClr>
+                <a:schemeClr val="dk1"/>
+              </a:buClr>
+              <a:buSzPts val="2100"/>
+              <a:defRPr/>
+            </a:pPr>
+            <a:r>
+              <a:rPr lang="en-US" altLang="zh-CN" dirty="0">
+                <a:hlinkClick r:id="rId7"/>
+              </a:rPr>
+              <a:t>https://arxiv.org/abs/1512.03385</a:t>
+            </a:r>
+            <a:endParaRPr lang="en-US" altLang="zh-CN" dirty="0"/>
+          </a:p>
+          <a:p>
+            <a:pPr>
+              <a:lnSpc>
+                <a:spcPct val="150000"/>
+              </a:lnSpc>
+            </a:pPr>
+            <a:r>
+              <a:rPr lang="en-US" altLang="zh-CN" u="sng" dirty="0">
+                <a:hlinkClick r:id="rId8"/>
+              </a:rPr>
+              <a:t>https://www.youtube.com/watch?v=Jy9-aGMB_TE</a:t>
+            </a:r>
+            <a:r>
+              <a:rPr lang="en-US" altLang="zh-CN" dirty="0"/>
+              <a:t> (discusses CNN)</a:t>
+            </a:r>
+          </a:p>
+          <a:p>
+            <a:pPr>
+              <a:lnSpc>
+                <a:spcPct val="150000"/>
+              </a:lnSpc>
+            </a:pPr>
+            <a:r>
+              <a:rPr lang="en-US" altLang="zh-CN" u="sng" dirty="0">
+                <a:hlinkClick r:id="rId9"/>
+              </a:rPr>
+              <a:t>https://towardsdatascience.com/build-your-own-convolution-neural-network-in-5-mins-4217c2cf964f</a:t>
+            </a:r>
+            <a:r>
+              <a:rPr lang="en-US" altLang="zh-CN" dirty="0"/>
+              <a:t> (Convolution Neural Networks)</a:t>
+            </a:r>
+          </a:p>
+          <a:p>
+            <a:pPr>
+              <a:lnSpc>
+                <a:spcPct val="150000"/>
+              </a:lnSpc>
+            </a:pPr>
+            <a:r>
+              <a:rPr lang="en-US" altLang="zh-CN" u="sng" dirty="0">
+                <a:hlinkClick r:id="rId10"/>
+              </a:rPr>
+              <a:t>https://skymind.ai/wiki/neural-network#define</a:t>
+            </a:r>
+            <a:r>
+              <a:rPr lang="en-US" altLang="zh-CN" dirty="0"/>
+              <a:t> (Deep Learning Brief Overview)</a:t>
+            </a:r>
+          </a:p>
+          <a:p>
+            <a:pPr>
+              <a:lnSpc>
+                <a:spcPct val="150000"/>
+              </a:lnSpc>
+            </a:pPr>
+            <a:r>
+              <a:rPr lang="pt-BR" altLang="zh-CN" dirty="0">
+                <a:hlinkClick r:id="rId11"/>
+              </a:rPr>
+              <a:t>https://arxiv.org/abs/1311.2524</a:t>
+            </a:r>
+            <a:r>
+              <a:rPr lang="pt-BR" altLang="zh-CN" dirty="0"/>
+              <a:t>  (R-CNN)</a:t>
+            </a:r>
+          </a:p>
+          <a:p>
+            <a:pPr>
+              <a:lnSpc>
+                <a:spcPct val="150000"/>
+              </a:lnSpc>
+            </a:pPr>
+            <a:r>
+              <a:rPr lang="pt-BR" altLang="zh-CN" dirty="0">
+                <a:hlinkClick r:id="rId12"/>
+              </a:rPr>
+              <a:t>https://arxiv.org/abs/1504.08083</a:t>
+            </a:r>
+            <a:r>
+              <a:rPr lang="pt-BR" altLang="zh-CN" dirty="0"/>
+              <a:t> (Fast R-CNN)</a:t>
+            </a:r>
+          </a:p>
+          <a:p>
+            <a:pPr>
+              <a:lnSpc>
+                <a:spcPct val="150000"/>
+              </a:lnSpc>
+            </a:pPr>
+            <a:r>
+              <a:rPr lang="pt-BR" altLang="zh-CN" dirty="0">
+                <a:hlinkClick r:id="rId13"/>
+              </a:rPr>
+              <a:t>https://arxiv.org/abs/1506.01497</a:t>
+            </a:r>
+            <a:r>
+              <a:rPr lang="pt-BR" altLang="zh-CN" dirty="0"/>
+              <a:t> (Faster R-CNN)</a:t>
+            </a:r>
+          </a:p>
+          <a:p>
+            <a:pPr>
+              <a:lnSpc>
+                <a:spcPct val="150000"/>
+              </a:lnSpc>
+            </a:pPr>
+            <a:r>
+              <a:rPr lang="pt-BR" altLang="zh-CN" dirty="0">
+                <a:hlinkClick r:id="rId14"/>
+              </a:rPr>
+              <a:t>https://arxiv.org/abs/1703.06870</a:t>
+            </a:r>
+            <a:r>
+              <a:rPr lang="pt-BR" altLang="zh-CN" dirty="0"/>
+              <a:t> (Mask R-CNN)</a:t>
+            </a:r>
+          </a:p>
+          <a:p>
+            <a:pPr>
+              <a:lnSpc>
+                <a:spcPct val="150000"/>
+              </a:lnSpc>
+            </a:pPr>
+            <a:endParaRPr lang="en-US" altLang="zh-CN" dirty="0"/>
+          </a:p>
+        </p:txBody>
+      </p:sp>
+      <p:sp>
+        <p:nvSpPr>
+          <p:cNvPr id="4" name="Google Shape;232;p23">
+            <a:extLst>
+              <a:ext uri="{FF2B5EF4-FFF2-40B4-BE49-F238E27FC236}">
+                <a16:creationId xmlns:a16="http://schemas.microsoft.com/office/drawing/2014/main" id="{69C9C64F-C785-4CEB-BC3C-A2C06C2CE907}"/>
+              </a:ext>
+            </a:extLst>
+          </p:cNvPr>
+          <p:cNvSpPr txBox="1">
+            <a:spLocks noChangeArrowheads="1"/>
+          </p:cNvSpPr>
+          <p:nvPr/>
+        </p:nvSpPr>
+        <p:spPr bwMode="auto">
+          <a:xfrm>
+            <a:off x="201613" y="92075"/>
+            <a:ext cx="6608762" cy="714375"/>
+          </a:xfrm>
+          <a:prstGeom prst="rect">
+            <a:avLst/>
+          </a:prstGeom>
+          <a:noFill/>
+          <a:ln w="9525">
+            <a:solidFill>
+              <a:schemeClr val="tx1"/>
+            </a:solidFill>
+            <a:round/>
+            <a:headEnd type="none" w="sm" len="sm"/>
+            <a:tailEnd type="none" w="sm" len="sm"/>
+          </a:ln>
+          <a:extLst>
+            <a:ext uri="{909E8E84-426E-40DD-AFC4-6F175D3DCCD1}">
+              <a14:hiddenFill xmlns:a14="http://schemas.microsoft.com/office/drawing/2010/main">
+                <a:solidFill>
+                  <a:srgbClr val="FFFFFF"/>
+                </a:solidFill>
+              </a14:hiddenFill>
+            </a:ext>
+          </a:extLst>
+        </p:spPr>
+        <p:txBody>
+          <a:bodyPr lIns="91425" tIns="45700" rIns="91425" bIns="45700" anchor="ctr"/>
+          <a:lstStyle>
+            <a:lvl1pPr>
+              <a:buClr>
+                <a:srgbClr val="000000"/>
+              </a:buClr>
+              <a:buFont typeface="Arial" panose="020B0604020202020204" pitchFamily="34" charset="0"/>
+              <a:defRPr sz="1400">
+                <a:solidFill>
+                  <a:srgbClr val="000000"/>
+                </a:solidFill>
+                <a:latin typeface="Arial" panose="020B0604020202020204" pitchFamily="34" charset="0"/>
+                <a:cs typeface="Arial" panose="020B0604020202020204" pitchFamily="34" charset="0"/>
+                <a:sym typeface="Arial" panose="020B0604020202020204" pitchFamily="34" charset="0"/>
+              </a:defRPr>
+            </a:lvl1pPr>
+            <a:lvl2pPr marL="742950" indent="-285750">
+              <a:buClr>
+                <a:srgbClr val="000000"/>
+              </a:buClr>
+              <a:buFont typeface="Arial" panose="020B0604020202020204" pitchFamily="34" charset="0"/>
+              <a:defRPr sz="1400">
+                <a:solidFill>
+                  <a:srgbClr val="000000"/>
+                </a:solidFill>
+                <a:latin typeface="Arial" panose="020B0604020202020204" pitchFamily="34" charset="0"/>
+                <a:cs typeface="Arial" panose="020B0604020202020204" pitchFamily="34" charset="0"/>
+                <a:sym typeface="Arial" panose="020B0604020202020204" pitchFamily="34" charset="0"/>
+              </a:defRPr>
+            </a:lvl2pPr>
+            <a:lvl3pPr marL="1143000" indent="-228600">
+              <a:buClr>
+                <a:srgbClr val="000000"/>
+              </a:buClr>
+              <a:buFont typeface="Arial" panose="020B0604020202020204" pitchFamily="34" charset="0"/>
+              <a:defRPr sz="1400">
+                <a:solidFill>
+                  <a:srgbClr val="000000"/>
+                </a:solidFill>
+                <a:latin typeface="Arial" panose="020B0604020202020204" pitchFamily="34" charset="0"/>
+                <a:cs typeface="Arial" panose="020B0604020202020204" pitchFamily="34" charset="0"/>
+                <a:sym typeface="Arial" panose="020B0604020202020204" pitchFamily="34" charset="0"/>
+              </a:defRPr>
+            </a:lvl3pPr>
+            <a:lvl4pPr marL="1600200" indent="-228600">
+              <a:buClr>
+                <a:srgbClr val="000000"/>
+              </a:buClr>
+              <a:buFont typeface="Arial" panose="020B0604020202020204" pitchFamily="34" charset="0"/>
+              <a:defRPr sz="1400">
+                <a:solidFill>
+                  <a:srgbClr val="000000"/>
+                </a:solidFill>
+                <a:latin typeface="Arial" panose="020B0604020202020204" pitchFamily="34" charset="0"/>
+                <a:cs typeface="Arial" panose="020B0604020202020204" pitchFamily="34" charset="0"/>
+                <a:sym typeface="Arial" panose="020B0604020202020204" pitchFamily="34" charset="0"/>
+              </a:defRPr>
+            </a:lvl4pPr>
+            <a:lvl5pPr marL="2057400" indent="-228600">
+              <a:buClr>
+                <a:srgbClr val="000000"/>
+              </a:buClr>
+              <a:buFont typeface="Arial" panose="020B0604020202020204" pitchFamily="34" charset="0"/>
+              <a:defRPr sz="1400">
+                <a:solidFill>
+                  <a:srgbClr val="000000"/>
+                </a:solidFill>
+                <a:latin typeface="Arial" panose="020B0604020202020204" pitchFamily="34" charset="0"/>
+                <a:cs typeface="Arial" panose="020B0604020202020204" pitchFamily="34" charset="0"/>
+                <a:sym typeface="Arial" panose="020B0604020202020204" pitchFamily="34" charset="0"/>
+              </a:defRPr>
+            </a:lvl5pPr>
+            <a:lvl6pPr marL="2514600" indent="-228600" eaLnBrk="0" fontAlgn="base" hangingPunct="0">
+              <a:spcBef>
+                <a:spcPct val="0"/>
+              </a:spcBef>
+              <a:spcAft>
+                <a:spcPct val="0"/>
+              </a:spcAft>
+              <a:buClr>
+                <a:srgbClr val="000000"/>
+              </a:buClr>
+              <a:buFont typeface="Arial" panose="020B0604020202020204" pitchFamily="34" charset="0"/>
+              <a:defRPr sz="1400">
+                <a:solidFill>
+                  <a:srgbClr val="000000"/>
+                </a:solidFill>
+                <a:latin typeface="Arial" panose="020B0604020202020204" pitchFamily="34" charset="0"/>
+                <a:cs typeface="Arial" panose="020B0604020202020204" pitchFamily="34" charset="0"/>
+                <a:sym typeface="Arial" panose="020B0604020202020204" pitchFamily="34" charset="0"/>
+              </a:defRPr>
+            </a:lvl6pPr>
+            <a:lvl7pPr marL="2971800" indent="-228600" eaLnBrk="0" fontAlgn="base" hangingPunct="0">
+              <a:spcBef>
+                <a:spcPct val="0"/>
+              </a:spcBef>
+              <a:spcAft>
+                <a:spcPct val="0"/>
+              </a:spcAft>
+              <a:buClr>
+                <a:srgbClr val="000000"/>
+              </a:buClr>
+              <a:buFont typeface="Arial" panose="020B0604020202020204" pitchFamily="34" charset="0"/>
+              <a:defRPr sz="1400">
+                <a:solidFill>
+                  <a:srgbClr val="000000"/>
+                </a:solidFill>
+                <a:latin typeface="Arial" panose="020B0604020202020204" pitchFamily="34" charset="0"/>
+                <a:cs typeface="Arial" panose="020B0604020202020204" pitchFamily="34" charset="0"/>
+                <a:sym typeface="Arial" panose="020B0604020202020204" pitchFamily="34" charset="0"/>
+              </a:defRPr>
+            </a:lvl7pPr>
+            <a:lvl8pPr marL="3429000" indent="-228600" eaLnBrk="0" fontAlgn="base" hangingPunct="0">
+              <a:spcBef>
+                <a:spcPct val="0"/>
+              </a:spcBef>
+              <a:spcAft>
+                <a:spcPct val="0"/>
+              </a:spcAft>
+              <a:buClr>
+                <a:srgbClr val="000000"/>
+              </a:buClr>
+              <a:buFont typeface="Arial" panose="020B0604020202020204" pitchFamily="34" charset="0"/>
+              <a:defRPr sz="1400">
+                <a:solidFill>
+                  <a:srgbClr val="000000"/>
+                </a:solidFill>
+                <a:latin typeface="Arial" panose="020B0604020202020204" pitchFamily="34" charset="0"/>
+                <a:cs typeface="Arial" panose="020B0604020202020204" pitchFamily="34" charset="0"/>
+                <a:sym typeface="Arial" panose="020B0604020202020204" pitchFamily="34" charset="0"/>
+              </a:defRPr>
+            </a:lvl8pPr>
+            <a:lvl9pPr marL="3886200" indent="-228600" eaLnBrk="0" fontAlgn="base" hangingPunct="0">
+              <a:spcBef>
+                <a:spcPct val="0"/>
+              </a:spcBef>
+              <a:spcAft>
+                <a:spcPct val="0"/>
+              </a:spcAft>
+              <a:buClr>
+                <a:srgbClr val="000000"/>
+              </a:buClr>
+              <a:buFont typeface="Arial" panose="020B0604020202020204" pitchFamily="34" charset="0"/>
+              <a:defRPr sz="1400">
+                <a:solidFill>
+                  <a:srgbClr val="000000"/>
+                </a:solidFill>
+                <a:latin typeface="Arial" panose="020B0604020202020204" pitchFamily="34" charset="0"/>
+                <a:cs typeface="Arial" panose="020B0604020202020204" pitchFamily="34" charset="0"/>
+                <a:sym typeface="Arial" panose="020B0604020202020204" pitchFamily="34" charset="0"/>
+              </a:defRPr>
+            </a:lvl9pPr>
+          </a:lstStyle>
+          <a:p>
+            <a:pPr algn="ctr" eaLnBrk="1" hangingPunct="1">
+              <a:lnSpc>
+                <a:spcPct val="90000"/>
+              </a:lnSpc>
+              <a:buSzPts val="2800"/>
+              <a:buFont typeface="Helvetica Neue" charset="0"/>
+              <a:buNone/>
+            </a:pPr>
+            <a:r>
+              <a:rPr lang="en-US" altLang="en-US" sz="2800">
+                <a:latin typeface="Helvetica Neue" charset="0"/>
+                <a:cs typeface="Helvetica Neue" charset="0"/>
+                <a:sym typeface="Helvetica Neue" charset="0"/>
+              </a:rPr>
+              <a:t>Understanding of Potential Algorithms</a:t>
+            </a:r>
+            <a:endParaRPr lang="en-US" altLang="en-US">
+              <a:cs typeface="Helvetica Neue" charset="0"/>
+            </a:endParaRPr>
+          </a:p>
+        </p:txBody>
+      </p:sp>
+    </p:spTree>
+    <p:extLst>
+      <p:ext uri="{BB962C8B-B14F-4D97-AF65-F5344CB8AC3E}">
+        <p14:creationId xmlns:p14="http://schemas.microsoft.com/office/powerpoint/2010/main" val="1042054706"/>
+      </p:ext>
+    </p:extLst>
+  </p:cSld>
+  <p:clrMapOvr>
+    <a:masterClrMapping/>
+  </p:clrMapOvr>
+</p:sld>
+</file>
+
 <file path=ppt/slides/slide2.xml><?xml version="1.0" encoding="utf-8"?>
 <p:sld xmlns:a="http://schemas.openxmlformats.org/drawingml/2006/main" xmlns:r="http://schemas.openxmlformats.org/officeDocument/2006/relationships" xmlns:p="http://schemas.openxmlformats.org/presentationml/2006/main">
   <p:cSld>
@@ -10471,7 +11721,7 @@
         </p:nvSpPr>
         <p:spPr>
           <a:xfrm>
-            <a:off x="550863" y="949325"/>
+            <a:off x="579438" y="1216025"/>
             <a:ext cx="9772650" cy="2740025"/>
           </a:xfrm>
           <a:prstGeom prst="rect">
@@ -10496,7 +11746,13 @@
             </a:r>
           </a:p>
           <a:p>
+            <a:endParaRPr lang="en-US" sz="2000" dirty="0"/>
+          </a:p>
+          <a:p>
             <a:pPr marL="800100" lvl="1" indent="-342900">
+              <a:lnSpc>
+                <a:spcPct val="150000"/>
+              </a:lnSpc>
               <a:buFont typeface="Wingdings" panose="05000000000000000000" pitchFamily="2" charset="2"/>
               <a:buChar char="§"/>
             </a:pPr>
@@ -10507,6 +11763,9 @@
           </a:p>
           <a:p>
             <a:pPr marL="800100" lvl="1" indent="-342900">
+              <a:lnSpc>
+                <a:spcPct val="150000"/>
+              </a:lnSpc>
               <a:buFont typeface="Wingdings" panose="05000000000000000000" pitchFamily="2" charset="2"/>
               <a:buChar char="§"/>
             </a:pPr>
@@ -10517,6 +11776,9 @@
           </a:p>
           <a:p>
             <a:pPr marL="800100" lvl="1" indent="-342900">
+              <a:lnSpc>
+                <a:spcPct val="150000"/>
+              </a:lnSpc>
               <a:buFont typeface="Wingdings" panose="05000000000000000000" pitchFamily="2" charset="2"/>
               <a:buChar char="§"/>
             </a:pPr>
@@ -10527,6 +11789,9 @@
           </a:p>
           <a:p>
             <a:pPr marL="800100" lvl="1" indent="-342900">
+              <a:lnSpc>
+                <a:spcPct val="150000"/>
+              </a:lnSpc>
               <a:buFont typeface="Wingdings" panose="05000000000000000000" pitchFamily="2" charset="2"/>
               <a:buChar char="§"/>
             </a:pPr>
@@ -10537,6 +11802,9 @@
           </a:p>
           <a:p>
             <a:pPr marL="800100" lvl="1" indent="-342900">
+              <a:lnSpc>
+                <a:spcPct val="150000"/>
+              </a:lnSpc>
               <a:buFont typeface="Wingdings" panose="05000000000000000000" pitchFamily="2" charset="2"/>
               <a:buChar char="§"/>
             </a:pPr>
@@ -10547,6 +11815,9 @@
           </a:p>
           <a:p>
             <a:pPr marL="800100" lvl="1" indent="-342900">
+              <a:lnSpc>
+                <a:spcPct val="150000"/>
+              </a:lnSpc>
               <a:buFont typeface="Wingdings" panose="05000000000000000000" pitchFamily="2" charset="2"/>
               <a:buChar char="§"/>
             </a:pPr>
@@ -10557,6 +11828,9 @@
           </a:p>
           <a:p>
             <a:pPr marL="800100" lvl="1" indent="-342900">
+              <a:lnSpc>
+                <a:spcPct val="150000"/>
+              </a:lnSpc>
               <a:buFont typeface="Wingdings" panose="05000000000000000000" pitchFamily="2" charset="2"/>
               <a:buChar char="§"/>
             </a:pPr>
@@ -11493,6 +12767,9 @@
             </a:lvl9pPr>
           </a:lstStyle>
           <a:p>
+            <a:pPr>
+              <a:defRPr/>
+            </a:pPr>
             <a:fld id="{FFB91C40-FCB9-4641-83DA-0013B503C4F6}" type="slidenum">
               <a:rPr lang="en-US" altLang="en-US" smtClean="0"/>
               <a:pPr>
@@ -11553,14 +12830,14 @@
           <p:nvPr>
             <p:extLst>
               <p:ext uri="{D42A27DB-BD31-4B8C-83A1-F6EECF244321}">
-                <p14:modId xmlns:p14="http://schemas.microsoft.com/office/powerpoint/2010/main" val="3714721657"/>
+                <p14:modId xmlns:p14="http://schemas.microsoft.com/office/powerpoint/2010/main" val="4290612147"/>
               </p:ext>
             </p:extLst>
           </p:nvPr>
         </p:nvGraphicFramePr>
         <p:xfrm>
           <a:off x="200484" y="1010669"/>
-          <a:ext cx="10670890" cy="3396231"/>
+          <a:ext cx="10670890" cy="3557668"/>
         </p:xfrm>
         <a:graphic>
           <a:graphicData uri="http://schemas.openxmlformats.org/drawingml/2006/table">
@@ -11576,14 +12853,14 @@
                     </a:ext>
                   </a:extLst>
                 </a:gridCol>
-                <a:gridCol w="3534431">
+                <a:gridCol w="4008711">
                   <a:extLst>
                     <a:ext uri="{9D8B030D-6E8A-4147-A177-3AD203B41FA5}">
                       <a16:colId xmlns:a16="http://schemas.microsoft.com/office/drawing/2014/main" val="2961552767"/>
                     </a:ext>
                   </a:extLst>
                 </a:gridCol>
-                <a:gridCol w="4327016">
+                <a:gridCol w="3852736">
                   <a:extLst>
                     <a:ext uri="{9D8B030D-6E8A-4147-A177-3AD203B41FA5}">
                       <a16:colId xmlns:a16="http://schemas.microsoft.com/office/drawing/2014/main" val="2851759138"/>
@@ -11731,7 +13008,7 @@
                     <a:bodyPr/>
                     <a:lstStyle/>
                     <a:p>
-                      <a:pPr marL="0" marR="0" indent="0" fontAlgn="base">
+                      <a:pPr marL="0" marR="0" indent="0" algn="just" fontAlgn="base">
                         <a:lnSpc>
                           <a:spcPct val="107000"/>
                         </a:lnSpc>
@@ -11790,7 +13067,7 @@
                     <a:bodyPr/>
                     <a:lstStyle/>
                     <a:p>
-                      <a:pPr marL="0" marR="0" indent="0" fontAlgn="base">
+                      <a:pPr marL="0" marR="0" indent="0" algn="ctr" fontAlgn="base">
                         <a:lnSpc>
                           <a:spcPct val="107000"/>
                         </a:lnSpc>
@@ -11817,7 +13094,7 @@
                       </a:endParaRPr>
                     </a:p>
                   </a:txBody>
-                  <a:tcPr marL="9525" marR="9525" marT="9525" marB="9525"/>
+                  <a:tcPr marL="9525" marR="9525" marT="9525" marB="9525" anchor="ctr"/>
                 </a:tc>
                 <a:extLst>
                   <a:ext uri="{0D108BD9-81ED-4DB2-BD59-A6C34878D82A}">
@@ -11825,7 +13102,7 @@
                   </a:ext>
                 </a:extLst>
               </a:tr>
-              <a:tr h="525602">
+              <a:tr h="537347">
                 <a:tc>
                   <a:txBody>
                     <a:bodyPr/>
@@ -11887,7 +13164,64 @@
                     <a:bodyPr/>
                     <a:lstStyle/>
                     <a:p>
-                      <a:pPr marL="0" marR="0" fontAlgn="base">
+                      <a:pPr marL="0" marR="0" algn="just" fontAlgn="base">
+                        <a:lnSpc>
+                          <a:spcPct val="107000"/>
+                        </a:lnSpc>
+                        <a:spcBef>
+                          <a:spcPts val="0"/>
+                        </a:spcBef>
+                        <a:spcAft>
+                          <a:spcPts val="0"/>
+                        </a:spcAft>
+                      </a:pPr>
+                      <a:r>
+                        <a:rPr lang="en-US" sz="1200" dirty="0">
+                          <a:effectLst/>
+                          <a:latin typeface="+mn-lt"/>
+                          <a:ea typeface="Calibri" panose="020F0502020204030204" pitchFamily="34" charset="0"/>
+                          <a:cs typeface="Times New Roman" panose="02020603050405020304" pitchFamily="18" charset="0"/>
+                        </a:rPr>
+                        <a:t>A hybrid model consisting of a Deep Convolutional feature extractor and the Extreme Learning Machine.</a:t>
+                      </a:r>
+                    </a:p>
+                  </a:txBody>
+                  <a:tcPr marL="9525" marR="9525" marT="9525" marB="9525"/>
+                </a:tc>
+                <a:tc>
+                  <a:txBody>
+                    <a:bodyPr/>
+                    <a:lstStyle/>
+                    <a:p>
+                      <a:pPr marL="0" marR="0" lvl="0" indent="0" algn="ctr" defTabSz="914400" rtl="0" eaLnBrk="1" fontAlgn="base" latinLnBrk="0" hangingPunct="1">
+                        <a:lnSpc>
+                          <a:spcPct val="107000"/>
+                        </a:lnSpc>
+                        <a:spcBef>
+                          <a:spcPts val="0"/>
+                        </a:spcBef>
+                        <a:spcAft>
+                          <a:spcPts val="0"/>
+                        </a:spcAft>
+                        <a:buClrTx/>
+                        <a:buSzTx/>
+                        <a:buFontTx/>
+                        <a:buNone/>
+                        <a:tabLst/>
+                        <a:defRPr/>
+                      </a:pPr>
+                      <a:r>
+                        <a:rPr lang="en-US" altLang="zh-CN" sz="1100" dirty="0">
+                          <a:effectLst/>
+                          <a:latin typeface="Calibri" panose="020F0502020204030204" pitchFamily="34" charset="0"/>
+                          <a:ea typeface="Calibri" panose="020F0502020204030204" pitchFamily="34" charset="0"/>
+                          <a:cs typeface="Times New Roman" panose="02020603050405020304" pitchFamily="18" charset="0"/>
+                        </a:rPr>
+                        <a:t>Research algorithm and start coding</a:t>
+                      </a:r>
+                    </a:p>
+                    <a:p>
+                      <a:pPr marL="0" marR="0" algn="ctr" fontAlgn="base">
                         <a:lnSpc>
                           <a:spcPct val="107000"/>
                         </a:lnSpc>
@@ -11906,33 +13240,7 @@
                       </a:endParaRPr>
                     </a:p>
                   </a:txBody>
-                  <a:tcPr marL="9525" marR="9525" marT="9525" marB="9525"/>
-                </a:tc>
-                <a:tc>
-                  <a:txBody>
-                    <a:bodyPr/>
-                    <a:lstStyle/>
-                    <a:p>
-                      <a:pPr marL="0" marR="0" fontAlgn="base">
-                        <a:lnSpc>
-                          <a:spcPct val="107000"/>
-                        </a:lnSpc>
-                        <a:spcBef>
-                          <a:spcPts val="0"/>
-                        </a:spcBef>
-                        <a:spcAft>
-                          <a:spcPts val="0"/>
-                        </a:spcAft>
-                      </a:pPr>
-                      <a:endParaRPr lang="en-US" sz="1100" dirty="0">
-                        <a:effectLst/>
-                        <a:latin typeface="Calibri" panose="020F0502020204030204" pitchFamily="34" charset="0"/>
-                        <a:ea typeface="Calibri" panose="020F0502020204030204" pitchFamily="34" charset="0"/>
-                        <a:cs typeface="Times New Roman" panose="02020603050405020304" pitchFamily="18" charset="0"/>
-                      </a:endParaRPr>
-                    </a:p>
-                  </a:txBody>
-                  <a:tcPr marL="9525" marR="9525" marT="9525" marB="9525"/>
+                  <a:tcPr marL="9525" marR="9525" marT="9525" marB="9525" anchor="ctr"/>
                 </a:tc>
                 <a:extLst>
                   <a:ext uri="{0D108BD9-81ED-4DB2-BD59-A6C34878D82A}">
@@ -12005,7 +13313,7 @@
                     <a:bodyPr/>
                     <a:lstStyle/>
                     <a:p>
-                      <a:pPr marL="0" marR="0" fontAlgn="base">
+                      <a:pPr marL="0" marR="0" algn="just" fontAlgn="base">
                         <a:lnSpc>
                           <a:spcPct val="107000"/>
                         </a:lnSpc>
@@ -12016,12 +13324,15 @@
                           <a:spcPts val="0"/>
                         </a:spcAft>
                       </a:pPr>
-                      <a:endParaRPr lang="en-US" sz="1100" dirty="0">
-                        <a:effectLst/>
-                        <a:latin typeface="Calibri" panose="020F0502020204030204" pitchFamily="34" charset="0"/>
-                        <a:ea typeface="Calibri" panose="020F0502020204030204" pitchFamily="34" charset="0"/>
-                        <a:cs typeface="Times New Roman" panose="02020603050405020304" pitchFamily="18" charset="0"/>
-                      </a:endParaRPr>
+                      <a:r>
+                        <a:rPr lang="en-US" sz="1200" dirty="0">
+                          <a:effectLst/>
+                          <a:latin typeface="+mn-lt"/>
+                          <a:ea typeface="Calibri" panose="020F0502020204030204" pitchFamily="34" charset="0"/>
+                          <a:cs typeface="Times New Roman" panose="02020603050405020304" pitchFamily="18" charset="0"/>
+                        </a:rPr>
+                        <a:t>Detects objects in the image while simultaneously generating a high-quality segmentation mask for each instance</a:t>
+                      </a:r>
                     </a:p>
                   </a:txBody>
                   <a:tcPr marL="9525" marR="9525" marT="9525" marB="9525"/>
@@ -12030,6 +13341,34 @@
                   <a:txBody>
                     <a:bodyPr/>
                     <a:lstStyle/>
+                    <a:p>
+                      <a:pPr marL="0" marR="0" lvl="0" indent="0" algn="ctr" defTabSz="914400" rtl="0" eaLnBrk="1" fontAlgn="base" latinLnBrk="0" hangingPunct="1">
+                        <a:lnSpc>
+                          <a:spcPct val="107000"/>
+                        </a:lnSpc>
+                        <a:spcBef>
+                          <a:spcPts val="0"/>
+                        </a:spcBef>
+                        <a:spcAft>
+                          <a:spcPts val="0"/>
+                        </a:spcAft>
+                        <a:buClrTx/>
+                        <a:buSzTx/>
+                        <a:buFontTx/>
+                        <a:buNone/>
+                        <a:tabLst/>
+                        <a:defRPr/>
+                      </a:pPr>
+                      <a:r>
+                        <a:rPr lang="en-US" altLang="zh-CN" sz="1100" dirty="0">
+                          <a:effectLst/>
+                          <a:latin typeface="Calibri" panose="020F0502020204030204" pitchFamily="34" charset="0"/>
+                          <a:ea typeface="Calibri" panose="020F0502020204030204" pitchFamily="34" charset="0"/>
+                          <a:cs typeface="Times New Roman" panose="02020603050405020304" pitchFamily="18" charset="0"/>
+                        </a:rPr>
+                        <a:t>Research algorithm  and start coding</a:t>
+                      </a:r>
+                    </a:p>
                     <a:p>
                       <a:pPr marL="0" marR="0" fontAlgn="base">
                         <a:lnSpc>
@@ -12050,7 +13389,7 @@
                       </a:endParaRPr>
                     </a:p>
                   </a:txBody>
-                  <a:tcPr marL="9525" marR="9525" marT="9525" marB="9525"/>
+                  <a:tcPr marL="9525" marR="9525" marT="9525" marB="9525" anchor="ctr"/>
                 </a:tc>
                 <a:extLst>
                   <a:ext uri="{0D108BD9-81ED-4DB2-BD59-A6C34878D82A}">
@@ -12058,7 +13397,7 @@
                   </a:ext>
                 </a:extLst>
               </a:tr>
-              <a:tr h="522148">
+              <a:tr h="630565">
                 <a:tc>
                   <a:txBody>
                     <a:bodyPr/>
@@ -12120,7 +13459,64 @@
                     <a:bodyPr/>
                     <a:lstStyle/>
                     <a:p>
-                      <a:pPr marL="0" marR="0" fontAlgn="base">
+                      <a:pPr marL="0" marR="0" algn="ctr" fontAlgn="base">
+                        <a:lnSpc>
+                          <a:spcPct val="107000"/>
+                        </a:lnSpc>
+                        <a:spcBef>
+                          <a:spcPts val="0"/>
+                        </a:spcBef>
+                        <a:spcAft>
+                          <a:spcPts val="0"/>
+                        </a:spcAft>
+                      </a:pPr>
+                      <a:r>
+                        <a:rPr lang="en-US" sz="1200" dirty="0">
+                          <a:effectLst/>
+                          <a:latin typeface="+mn-lt"/>
+                          <a:ea typeface="Calibri" panose="020F0502020204030204" pitchFamily="34" charset="0"/>
+                          <a:cs typeface="Times New Roman" panose="02020603050405020304" pitchFamily="18" charset="0"/>
+                        </a:rPr>
+                        <a:t>-</a:t>
+                      </a:r>
+                    </a:p>
+                  </a:txBody>
+                  <a:tcPr marL="9525" marR="9525" marT="9525" marB="9525" anchor="ctr"/>
+                </a:tc>
+                <a:tc>
+                  <a:txBody>
+                    <a:bodyPr/>
+                    <a:lstStyle/>
+                    <a:p>
+                      <a:pPr marL="0" marR="0" lvl="0" indent="0" algn="ctr" defTabSz="914400" rtl="0" eaLnBrk="1" fontAlgn="base" latinLnBrk="0" hangingPunct="1">
+                        <a:lnSpc>
+                          <a:spcPct val="107000"/>
+                        </a:lnSpc>
+                        <a:spcBef>
+                          <a:spcPts val="0"/>
+                        </a:spcBef>
+                        <a:spcAft>
+                          <a:spcPts val="0"/>
+                        </a:spcAft>
+                        <a:buClrTx/>
+                        <a:buSzTx/>
+                        <a:buFontTx/>
+                        <a:buNone/>
+                        <a:tabLst/>
+                        <a:defRPr/>
+                      </a:pPr>
+                      <a:r>
+                        <a:rPr lang="en-US" altLang="zh-CN" sz="1100" dirty="0">
+                          <a:effectLst/>
+                          <a:latin typeface="Calibri" panose="020F0502020204030204" pitchFamily="34" charset="0"/>
+                          <a:ea typeface="Calibri" panose="020F0502020204030204" pitchFamily="34" charset="0"/>
+                          <a:cs typeface="Times New Roman" panose="02020603050405020304" pitchFamily="18" charset="0"/>
+                        </a:rPr>
+                        <a:t>Research algorithm and start coding</a:t>
+                      </a:r>
+                    </a:p>
+                    <a:p>
+                      <a:pPr marL="0" marR="0" algn="ctr" fontAlgn="base">
                         <a:lnSpc>
                           <a:spcPct val="107000"/>
                         </a:lnSpc>
@@ -12139,33 +13535,7 @@
                       </a:endParaRPr>
                     </a:p>
                   </a:txBody>
-                  <a:tcPr marL="9525" marR="9525" marT="9525" marB="9525"/>
-                </a:tc>
-                <a:tc>
-                  <a:txBody>
-                    <a:bodyPr/>
-                    <a:lstStyle/>
-                    <a:p>
-                      <a:pPr marL="0" marR="0" fontAlgn="base">
-                        <a:lnSpc>
-                          <a:spcPct val="107000"/>
-                        </a:lnSpc>
-                        <a:spcBef>
-                          <a:spcPts val="0"/>
-                        </a:spcBef>
-                        <a:spcAft>
-                          <a:spcPts val="0"/>
-                        </a:spcAft>
-                      </a:pPr>
-                      <a:endParaRPr lang="en-US" sz="1100" dirty="0">
-                        <a:effectLst/>
-                        <a:latin typeface="Calibri" panose="020F0502020204030204" pitchFamily="34" charset="0"/>
-                        <a:ea typeface="Calibri" panose="020F0502020204030204" pitchFamily="34" charset="0"/>
-                        <a:cs typeface="Times New Roman" panose="02020603050405020304" pitchFamily="18" charset="0"/>
-                      </a:endParaRPr>
-                    </a:p>
-                  </a:txBody>
-                  <a:tcPr marL="9525" marR="9525" marT="9525" marB="9525"/>
+                  <a:tcPr marL="9525" marR="9525" marT="9525" marB="9525" anchor="ctr"/>
                 </a:tc>
                 <a:extLst>
                   <a:ext uri="{0D108BD9-81ED-4DB2-BD59-A6C34878D82A}">
@@ -12173,7 +13543,7 @@
                   </a:ext>
                 </a:extLst>
               </a:tr>
-              <a:tr h="508000">
+              <a:tr h="92739">
                 <a:tc>
                   <a:txBody>
                     <a:bodyPr/>
@@ -12235,6 +13605,53 @@
                     <a:bodyPr/>
                     <a:lstStyle/>
                     <a:p>
+                      <a:pPr marL="0" marR="0" lvl="0" indent="0" algn="ctr" defTabSz="914400" rtl="0" eaLnBrk="1" fontAlgn="base" latinLnBrk="0" hangingPunct="1">
+                        <a:lnSpc>
+                          <a:spcPct val="107000"/>
+                        </a:lnSpc>
+                        <a:spcBef>
+                          <a:spcPts val="0"/>
+                        </a:spcBef>
+                        <a:spcAft>
+                          <a:spcPts val="0"/>
+                        </a:spcAft>
+                        <a:buClrTx/>
+                        <a:buSzTx/>
+                        <a:buFontTx/>
+                        <a:buNone/>
+                        <a:tabLst/>
+                        <a:defRPr/>
+                      </a:pPr>
+                      <a:endParaRPr lang="en-US" altLang="zh-CN" sz="1100" dirty="0">
+                        <a:effectLst/>
+                        <a:latin typeface="+mn-lt"/>
+                        <a:ea typeface="Calibri" panose="020F0502020204030204" pitchFamily="34" charset="0"/>
+                        <a:cs typeface="Times New Roman" panose="02020603050405020304" pitchFamily="18" charset="0"/>
+                      </a:endParaRPr>
+                    </a:p>
+                    <a:p>
+                      <a:pPr marL="0" marR="0" algn="ctr" fontAlgn="base">
+                        <a:lnSpc>
+                          <a:spcPct val="107000"/>
+                        </a:lnSpc>
+                        <a:spcBef>
+                          <a:spcPts val="0"/>
+                        </a:spcBef>
+                        <a:spcAft>
+                          <a:spcPts val="0"/>
+                        </a:spcAft>
+                      </a:pPr>
+                      <a:r>
+                        <a:rPr lang="en-US" altLang="zh-CN" sz="1100" dirty="0">
+                          <a:effectLst/>
+                          <a:latin typeface="+mn-lt"/>
+                          <a:ea typeface="Calibri" panose="020F0502020204030204" pitchFamily="34" charset="0"/>
+                          <a:cs typeface="Times New Roman" panose="02020603050405020304" pitchFamily="18" charset="0"/>
+                        </a:rPr>
+                        <a:t>-</a:t>
+                      </a:r>
+                    </a:p>
+                    <a:p>
                       <a:pPr marL="0" marR="0" fontAlgn="base">
                         <a:lnSpc>
                           <a:spcPct val="107000"/>
@@ -12254,14 +13671,14 @@
                       </a:endParaRPr>
                     </a:p>
                   </a:txBody>
-                  <a:tcPr marL="9525" marR="9525" marT="9525" marB="9525"/>
+                  <a:tcPr marL="9525" marR="9525" marT="9525" marB="9525" anchor="ctr"/>
                 </a:tc>
                 <a:tc>
                   <a:txBody>
                     <a:bodyPr/>
                     <a:lstStyle/>
                     <a:p>
-                      <a:pPr marL="0" marR="0" fontAlgn="base">
+                      <a:pPr marL="0" marR="0" algn="ctr" fontAlgn="base">
                         <a:lnSpc>
                           <a:spcPct val="107000"/>
                         </a:lnSpc>
@@ -12283,7 +13700,7 @@
                       </a:r>
                     </a:p>
                   </a:txBody>
-                  <a:tcPr marL="9525" marR="9525" marT="9525" marB="9525"/>
+                  <a:tcPr marL="9525" marR="9525" marT="9525" marB="9525" anchor="ctr"/>
                 </a:tc>
                 <a:extLst>
                   <a:ext uri="{0D108BD9-81ED-4DB2-BD59-A6C34878D82A}">
@@ -12356,7 +13773,35 @@
                     <a:bodyPr/>
                     <a:lstStyle/>
                     <a:p>
-                      <a:pPr marL="0" marR="0" fontAlgn="base">
+                      <a:pPr marL="0" marR="0" lvl="0" indent="0" algn="ctr" defTabSz="914400" rtl="0" eaLnBrk="1" fontAlgn="base" latinLnBrk="0" hangingPunct="1">
+                        <a:lnSpc>
+                          <a:spcPct val="107000"/>
+                        </a:lnSpc>
+                        <a:spcBef>
+                          <a:spcPts val="0"/>
+                        </a:spcBef>
+                        <a:spcAft>
+                          <a:spcPts val="0"/>
+                        </a:spcAft>
+                        <a:buClrTx/>
+                        <a:buSzTx/>
+                        <a:buFontTx/>
+                        <a:buNone/>
+                        <a:tabLst/>
+                        <a:defRPr/>
+                      </a:pPr>
+                      <a:r>
+                        <a:rPr lang="en-US" altLang="zh-CN" sz="1100" dirty="0">
+                          <a:effectLst/>
+                          <a:latin typeface="+mn-lt"/>
+                          <a:ea typeface="Calibri" panose="020F0502020204030204" pitchFamily="34" charset="0"/>
+                          <a:cs typeface="Times New Roman" panose="02020603050405020304" pitchFamily="18" charset="0"/>
+                        </a:rPr>
+                        <a:t>-</a:t>
+                      </a:r>
+                    </a:p>
+                    <a:p>
+                      <a:pPr marL="0" marR="0" algn="ctr" fontAlgn="base">
                         <a:lnSpc>
                           <a:spcPct val="107000"/>
                         </a:lnSpc>
@@ -12375,14 +13820,42 @@
                       </a:endParaRPr>
                     </a:p>
                   </a:txBody>
-                  <a:tcPr marL="9525" marR="9525" marT="9525" marB="9525"/>
+                  <a:tcPr marL="9525" marR="9525" marT="9525" marB="9525" anchor="ctr"/>
                 </a:tc>
                 <a:tc>
                   <a:txBody>
                     <a:bodyPr/>
                     <a:lstStyle/>
                     <a:p>
-                      <a:pPr marL="0" marR="0" fontAlgn="base">
+                      <a:pPr marL="0" marR="0" lvl="0" indent="0" algn="ctr" defTabSz="914400" rtl="0" eaLnBrk="1" fontAlgn="base" latinLnBrk="0" hangingPunct="1">
+                        <a:lnSpc>
+                          <a:spcPct val="107000"/>
+                        </a:lnSpc>
+                        <a:spcBef>
+                          <a:spcPts val="0"/>
+                        </a:spcBef>
+                        <a:spcAft>
+                          <a:spcPts val="0"/>
+                        </a:spcAft>
+                        <a:buClrTx/>
+                        <a:buSzTx/>
+                        <a:buFontTx/>
+                        <a:buNone/>
+                        <a:tabLst/>
+                        <a:defRPr/>
+                      </a:pPr>
+                      <a:r>
+                        <a:rPr lang="en-US" altLang="zh-CN" sz="1100" dirty="0">
+                          <a:effectLst/>
+                          <a:latin typeface="Calibri" panose="020F0502020204030204" pitchFamily="34" charset="0"/>
+                          <a:ea typeface="Calibri" panose="020F0502020204030204" pitchFamily="34" charset="0"/>
+                          <a:cs typeface="Times New Roman" panose="02020603050405020304" pitchFamily="18" charset="0"/>
+                        </a:rPr>
+                        <a:t>Research algorithm and start coding</a:t>
+                      </a:r>
+                    </a:p>
+                    <a:p>
+                      <a:pPr marL="0" marR="0" algn="ctr" fontAlgn="base">
                         <a:lnSpc>
                           <a:spcPct val="107000"/>
                         </a:lnSpc>
@@ -12401,7 +13874,7 @@
                       </a:endParaRPr>
                     </a:p>
                   </a:txBody>
-                  <a:tcPr marL="9525" marR="9525" marT="9525" marB="9525"/>
+                  <a:tcPr marL="9525" marR="9525" marT="9525" marB="9525" anchor="ctr"/>
                 </a:tc>
                 <a:extLst>
                   <a:ext uri="{0D108BD9-81ED-4DB2-BD59-A6C34878D82A}">
@@ -12413,12 +13886,285 @@
           </a:graphicData>
         </a:graphic>
       </p:graphicFrame>
+    </p:spTree>
+  </p:cSld>
+  <p:clrMapOvr>
+    <a:masterClrMapping/>
+  </p:clrMapOvr>
+</p:sld>
+</file>
+
+<file path=ppt/slides/slide7.xml><?xml version="1.0" encoding="utf-8"?>
+<p:sld xmlns:a="http://schemas.openxmlformats.org/drawingml/2006/main" xmlns:r="http://schemas.openxmlformats.org/officeDocument/2006/relationships" xmlns:p="http://schemas.openxmlformats.org/presentationml/2006/main">
+  <p:cSld>
+    <p:spTree>
+      <p:nvGrpSpPr>
+        <p:cNvPr id="1" name=""/>
+        <p:cNvGrpSpPr/>
+        <p:nvPr/>
+      </p:nvGrpSpPr>
+      <p:grpSpPr>
+        <a:xfrm>
+          <a:off x="0" y="0"/>
+          <a:ext cx="0" cy="0"/>
+          <a:chOff x="0" y="0"/>
+          <a:chExt cx="0" cy="0"/>
+        </a:xfrm>
+      </p:grpSpPr>
       <p:sp>
         <p:nvSpPr>
-          <p:cNvPr id="3" name="TextBox 2">
+          <p:cNvPr id="2" name="Google Shape;232;p23">
             <a:extLst>
               <a:ext uri="{FF2B5EF4-FFF2-40B4-BE49-F238E27FC236}">
-                <a16:creationId xmlns:a16="http://schemas.microsoft.com/office/drawing/2014/main" id="{B6D067DD-22D5-415B-9EAD-05595DD47AC4}"/>
+                <a16:creationId xmlns:a16="http://schemas.microsoft.com/office/drawing/2014/main" id="{68590008-B1BD-44EC-B301-4BAC4BA19015}"/>
+              </a:ext>
+            </a:extLst>
+          </p:cNvPr>
+          <p:cNvSpPr txBox="1">
+            <a:spLocks noChangeArrowheads="1"/>
+          </p:cNvSpPr>
+          <p:nvPr/>
+        </p:nvSpPr>
+        <p:spPr bwMode="auto">
+          <a:xfrm>
+            <a:off x="201613" y="92075"/>
+            <a:ext cx="6608762" cy="714375"/>
+          </a:xfrm>
+          <a:prstGeom prst="rect">
+            <a:avLst/>
+          </a:prstGeom>
+          <a:noFill/>
+          <a:ln w="9525">
+            <a:solidFill>
+              <a:schemeClr val="tx1"/>
+            </a:solidFill>
+            <a:round/>
+            <a:headEnd type="none" w="sm" len="sm"/>
+            <a:tailEnd type="none" w="sm" len="sm"/>
+          </a:ln>
+          <a:extLst>
+            <a:ext uri="{909E8E84-426E-40DD-AFC4-6F175D3DCCD1}">
+              <a14:hiddenFill xmlns:a14="http://schemas.microsoft.com/office/drawing/2010/main">
+                <a:solidFill>
+                  <a:srgbClr val="FFFFFF"/>
+                </a:solidFill>
+              </a14:hiddenFill>
+            </a:ext>
+          </a:extLst>
+        </p:spPr>
+        <p:txBody>
+          <a:bodyPr lIns="91425" tIns="45700" rIns="91425" bIns="45700" anchor="ctr"/>
+          <a:lstStyle>
+            <a:lvl1pPr>
+              <a:buClr>
+                <a:srgbClr val="000000"/>
+              </a:buClr>
+              <a:buFont typeface="Arial" panose="020B0604020202020204" pitchFamily="34" charset="0"/>
+              <a:defRPr sz="1400">
+                <a:solidFill>
+                  <a:srgbClr val="000000"/>
+                </a:solidFill>
+                <a:latin typeface="Arial" panose="020B0604020202020204" pitchFamily="34" charset="0"/>
+                <a:cs typeface="Arial" panose="020B0604020202020204" pitchFamily="34" charset="0"/>
+                <a:sym typeface="Arial" panose="020B0604020202020204" pitchFamily="34" charset="0"/>
+              </a:defRPr>
+            </a:lvl1pPr>
+            <a:lvl2pPr marL="742950" indent="-285750">
+              <a:buClr>
+                <a:srgbClr val="000000"/>
+              </a:buClr>
+              <a:buFont typeface="Arial" panose="020B0604020202020204" pitchFamily="34" charset="0"/>
+              <a:defRPr sz="1400">
+                <a:solidFill>
+                  <a:srgbClr val="000000"/>
+                </a:solidFill>
+                <a:latin typeface="Arial" panose="020B0604020202020204" pitchFamily="34" charset="0"/>
+                <a:cs typeface="Arial" panose="020B0604020202020204" pitchFamily="34" charset="0"/>
+                <a:sym typeface="Arial" panose="020B0604020202020204" pitchFamily="34" charset="0"/>
+              </a:defRPr>
+            </a:lvl2pPr>
+            <a:lvl3pPr marL="1143000" indent="-228600">
+              <a:buClr>
+                <a:srgbClr val="000000"/>
+              </a:buClr>
+              <a:buFont typeface="Arial" panose="020B0604020202020204" pitchFamily="34" charset="0"/>
+              <a:defRPr sz="1400">
+                <a:solidFill>
+                  <a:srgbClr val="000000"/>
+                </a:solidFill>
+                <a:latin typeface="Arial" panose="020B0604020202020204" pitchFamily="34" charset="0"/>
+                <a:cs typeface="Arial" panose="020B0604020202020204" pitchFamily="34" charset="0"/>
+                <a:sym typeface="Arial" panose="020B0604020202020204" pitchFamily="34" charset="0"/>
+              </a:defRPr>
+            </a:lvl3pPr>
+            <a:lvl4pPr marL="1600200" indent="-228600">
+              <a:buClr>
+                <a:srgbClr val="000000"/>
+              </a:buClr>
+              <a:buFont typeface="Arial" panose="020B0604020202020204" pitchFamily="34" charset="0"/>
+              <a:defRPr sz="1400">
+                <a:solidFill>
+                  <a:srgbClr val="000000"/>
+                </a:solidFill>
+                <a:latin typeface="Arial" panose="020B0604020202020204" pitchFamily="34" charset="0"/>
+                <a:cs typeface="Arial" panose="020B0604020202020204" pitchFamily="34" charset="0"/>
+                <a:sym typeface="Arial" panose="020B0604020202020204" pitchFamily="34" charset="0"/>
+              </a:defRPr>
+            </a:lvl4pPr>
+            <a:lvl5pPr marL="2057400" indent="-228600">
+              <a:buClr>
+                <a:srgbClr val="000000"/>
+              </a:buClr>
+              <a:buFont typeface="Arial" panose="020B0604020202020204" pitchFamily="34" charset="0"/>
+              <a:defRPr sz="1400">
+                <a:solidFill>
+                  <a:srgbClr val="000000"/>
+                </a:solidFill>
+                <a:latin typeface="Arial" panose="020B0604020202020204" pitchFamily="34" charset="0"/>
+                <a:cs typeface="Arial" panose="020B0604020202020204" pitchFamily="34" charset="0"/>
+                <a:sym typeface="Arial" panose="020B0604020202020204" pitchFamily="34" charset="0"/>
+              </a:defRPr>
+            </a:lvl5pPr>
+            <a:lvl6pPr marL="2514600" indent="-228600" eaLnBrk="0" fontAlgn="base" hangingPunct="0">
+              <a:spcBef>
+                <a:spcPct val="0"/>
+              </a:spcBef>
+              <a:spcAft>
+                <a:spcPct val="0"/>
+              </a:spcAft>
+              <a:buClr>
+                <a:srgbClr val="000000"/>
+              </a:buClr>
+              <a:buFont typeface="Arial" panose="020B0604020202020204" pitchFamily="34" charset="0"/>
+              <a:defRPr sz="1400">
+                <a:solidFill>
+                  <a:srgbClr val="000000"/>
+                </a:solidFill>
+                <a:latin typeface="Arial" panose="020B0604020202020204" pitchFamily="34" charset="0"/>
+                <a:cs typeface="Arial" panose="020B0604020202020204" pitchFamily="34" charset="0"/>
+                <a:sym typeface="Arial" panose="020B0604020202020204" pitchFamily="34" charset="0"/>
+              </a:defRPr>
+            </a:lvl6pPr>
+            <a:lvl7pPr marL="2971800" indent="-228600" eaLnBrk="0" fontAlgn="base" hangingPunct="0">
+              <a:spcBef>
+                <a:spcPct val="0"/>
+              </a:spcBef>
+              <a:spcAft>
+                <a:spcPct val="0"/>
+              </a:spcAft>
+              <a:buClr>
+                <a:srgbClr val="000000"/>
+              </a:buClr>
+              <a:buFont typeface="Arial" panose="020B0604020202020204" pitchFamily="34" charset="0"/>
+              <a:defRPr sz="1400">
+                <a:solidFill>
+                  <a:srgbClr val="000000"/>
+                </a:solidFill>
+                <a:latin typeface="Arial" panose="020B0604020202020204" pitchFamily="34" charset="0"/>
+                <a:cs typeface="Arial" panose="020B0604020202020204" pitchFamily="34" charset="0"/>
+                <a:sym typeface="Arial" panose="020B0604020202020204" pitchFamily="34" charset="0"/>
+              </a:defRPr>
+            </a:lvl7pPr>
+            <a:lvl8pPr marL="3429000" indent="-228600" eaLnBrk="0" fontAlgn="base" hangingPunct="0">
+              <a:spcBef>
+                <a:spcPct val="0"/>
+              </a:spcBef>
+              <a:spcAft>
+                <a:spcPct val="0"/>
+              </a:spcAft>
+              <a:buClr>
+                <a:srgbClr val="000000"/>
+              </a:buClr>
+              <a:buFont typeface="Arial" panose="020B0604020202020204" pitchFamily="34" charset="0"/>
+              <a:defRPr sz="1400">
+                <a:solidFill>
+                  <a:srgbClr val="000000"/>
+                </a:solidFill>
+                <a:latin typeface="Arial" panose="020B0604020202020204" pitchFamily="34" charset="0"/>
+                <a:cs typeface="Arial" panose="020B0604020202020204" pitchFamily="34" charset="0"/>
+                <a:sym typeface="Arial" panose="020B0604020202020204" pitchFamily="34" charset="0"/>
+              </a:defRPr>
+            </a:lvl8pPr>
+            <a:lvl9pPr marL="3886200" indent="-228600" eaLnBrk="0" fontAlgn="base" hangingPunct="0">
+              <a:spcBef>
+                <a:spcPct val="0"/>
+              </a:spcBef>
+              <a:spcAft>
+                <a:spcPct val="0"/>
+              </a:spcAft>
+              <a:buClr>
+                <a:srgbClr val="000000"/>
+              </a:buClr>
+              <a:buFont typeface="Arial" panose="020B0604020202020204" pitchFamily="34" charset="0"/>
+              <a:defRPr sz="1400">
+                <a:solidFill>
+                  <a:srgbClr val="000000"/>
+                </a:solidFill>
+                <a:latin typeface="Arial" panose="020B0604020202020204" pitchFamily="34" charset="0"/>
+                <a:cs typeface="Arial" panose="020B0604020202020204" pitchFamily="34" charset="0"/>
+                <a:sym typeface="Arial" panose="020B0604020202020204" pitchFamily="34" charset="0"/>
+              </a:defRPr>
+            </a:lvl9pPr>
+          </a:lstStyle>
+          <a:p>
+            <a:pPr algn="ctr" eaLnBrk="1" hangingPunct="1">
+              <a:lnSpc>
+                <a:spcPct val="90000"/>
+              </a:lnSpc>
+              <a:buSzPts val="2800"/>
+              <a:buFont typeface="Helvetica Neue" charset="0"/>
+              <a:buNone/>
+            </a:pPr>
+            <a:r>
+              <a:rPr lang="en-US" altLang="en-US" sz="2800" dirty="0">
+                <a:latin typeface="Helvetica Neue" charset="0"/>
+                <a:cs typeface="Helvetica Neue" charset="0"/>
+                <a:sym typeface="Helvetica Neue" charset="0"/>
+              </a:rPr>
+              <a:t>Understanding Basic CNN &amp; R-CNN</a:t>
+            </a:r>
+            <a:endParaRPr lang="en-US" altLang="en-US" dirty="0">
+              <a:cs typeface="Helvetica Neue" charset="0"/>
+            </a:endParaRPr>
+          </a:p>
+        </p:txBody>
+      </p:sp>
+      <p:pic>
+        <p:nvPicPr>
+          <p:cNvPr id="3" name="Picture 2">
+            <a:extLst>
+              <a:ext uri="{FF2B5EF4-FFF2-40B4-BE49-F238E27FC236}">
+                <a16:creationId xmlns:a16="http://schemas.microsoft.com/office/drawing/2014/main" id="{2EE7A31A-8BC4-4F8A-8021-7DD2BD1C3ACB}"/>
+              </a:ext>
+            </a:extLst>
+          </p:cNvPr>
+          <p:cNvPicPr>
+            <a:picLocks noChangeAspect="1"/>
+          </p:cNvPicPr>
+          <p:nvPr/>
+        </p:nvPicPr>
+        <p:blipFill>
+          <a:blip r:embed="rId2"/>
+          <a:stretch>
+            <a:fillRect/>
+          </a:stretch>
+        </p:blipFill>
+        <p:spPr>
+          <a:xfrm>
+            <a:off x="10959428" y="136525"/>
+            <a:ext cx="1032088" cy="1226186"/>
+          </a:xfrm>
+          <a:prstGeom prst="rect">
+            <a:avLst/>
+          </a:prstGeom>
+        </p:spPr>
+      </p:pic>
+      <p:sp>
+        <p:nvSpPr>
+          <p:cNvPr id="5" name="TextBox 4">
+            <a:extLst>
+              <a:ext uri="{FF2B5EF4-FFF2-40B4-BE49-F238E27FC236}">
+                <a16:creationId xmlns:a16="http://schemas.microsoft.com/office/drawing/2014/main" id="{CB365E0C-AD59-4D92-B96C-7DDE7D37529C}"/>
               </a:ext>
             </a:extLst>
           </p:cNvPr>
@@ -12427,8 +14173,8 @@
         </p:nvSpPr>
         <p:spPr>
           <a:xfrm>
-            <a:off x="2286000" y="5226050"/>
-            <a:ext cx="3225800" cy="369332"/>
+            <a:off x="457199" y="1306197"/>
+            <a:ext cx="10344151" cy="3970318"/>
           </a:xfrm>
           <a:prstGeom prst="rect">
             <a:avLst/>
@@ -12441,18 +14187,130 @@
           </a:bodyPr>
           <a:lstStyle/>
           <a:p>
+            <a:pPr marL="285750" indent="-285750">
+              <a:buFont typeface="Wingdings" panose="05000000000000000000" pitchFamily="2" charset="2"/>
+              <a:buChar char="q"/>
+            </a:pPr>
             <a:r>
-              <a:rPr lang="en-US" dirty="0">
-                <a:highlight>
-                  <a:srgbClr val="FFFF00"/>
-                </a:highlight>
+              <a:rPr lang="en-US" altLang="en-US" dirty="0">
+                <a:latin typeface="Calibri" panose="020F0502020204030204" pitchFamily="34" charset="0"/>
+                <a:ea typeface="Calibri" panose="020F0502020204030204" pitchFamily="34" charset="0"/>
+                <a:cs typeface="Times New Roman" panose="02020603050405020304" pitchFamily="18" charset="0"/>
               </a:rPr>
-              <a:t>Y/Z – Please update table</a:t>
+              <a:t>CNN:</a:t>
             </a:r>
+          </a:p>
+          <a:p>
+            <a:r>
+              <a:rPr lang="en-US" altLang="en-US" dirty="0">
+                <a:latin typeface="Calibri" panose="020F0502020204030204" pitchFamily="34" charset="0"/>
+                <a:ea typeface="Calibri" panose="020F0502020204030204" pitchFamily="34" charset="0"/>
+                <a:cs typeface="Times New Roman" panose="02020603050405020304" pitchFamily="18" charset="0"/>
+              </a:rPr>
+              <a:t>Convolutional layer</a:t>
+            </a:r>
+          </a:p>
+          <a:p>
+            <a:r>
+              <a:rPr lang="en-US" altLang="en-US" dirty="0">
+                <a:latin typeface="Calibri" panose="020F0502020204030204" pitchFamily="34" charset="0"/>
+                <a:ea typeface="Calibri" panose="020F0502020204030204" pitchFamily="34" charset="0"/>
+                <a:cs typeface="Times New Roman" panose="02020603050405020304" pitchFamily="18" charset="0"/>
+              </a:rPr>
+              <a:t>Pooling layer</a:t>
+            </a:r>
+          </a:p>
+          <a:p>
+            <a:endParaRPr lang="en-US" altLang="en-US" dirty="0">
+              <a:latin typeface="Calibri" panose="020F0502020204030204" pitchFamily="34" charset="0"/>
+              <a:ea typeface="Calibri" panose="020F0502020204030204" pitchFamily="34" charset="0"/>
+              <a:cs typeface="Times New Roman" panose="02020603050405020304" pitchFamily="18" charset="0"/>
+            </a:endParaRPr>
+          </a:p>
+          <a:p>
+            <a:endParaRPr lang="en-US" altLang="en-US" dirty="0">
+              <a:latin typeface="Calibri" panose="020F0502020204030204" pitchFamily="34" charset="0"/>
+              <a:ea typeface="Calibri" panose="020F0502020204030204" pitchFamily="34" charset="0"/>
+              <a:cs typeface="Times New Roman" panose="02020603050405020304" pitchFamily="18" charset="0"/>
+            </a:endParaRPr>
+          </a:p>
+          <a:p>
+            <a:pPr marL="285750" indent="-285750">
+              <a:buFont typeface="Wingdings" panose="05000000000000000000" pitchFamily="2" charset="2"/>
+              <a:buChar char="q"/>
+            </a:pPr>
+            <a:r>
+              <a:rPr lang="en-US" altLang="en-US" dirty="0">
+                <a:latin typeface="Calibri" panose="020F0502020204030204" pitchFamily="34" charset="0"/>
+                <a:ea typeface="Calibri" panose="020F0502020204030204" pitchFamily="34" charset="0"/>
+                <a:cs typeface="Times New Roman" panose="02020603050405020304" pitchFamily="18" charset="0"/>
+              </a:rPr>
+              <a:t>R-CNN</a:t>
+            </a:r>
+          </a:p>
+          <a:p>
+            <a:pPr>
+              <a:lnSpc>
+                <a:spcPct val="150000"/>
+              </a:lnSpc>
+            </a:pPr>
+            <a:r>
+              <a:rPr lang="en-US" altLang="zh-CN" dirty="0"/>
+              <a:t>In the image generates 1K~2K candidate regions.</a:t>
+            </a:r>
+          </a:p>
+          <a:p>
+            <a:pPr>
+              <a:lnSpc>
+                <a:spcPct val="150000"/>
+              </a:lnSpc>
+            </a:pPr>
+            <a:r>
+              <a:rPr lang="en-US" altLang="zh-CN" dirty="0"/>
+              <a:t>For each candidate area, use the depth network to extract features.</a:t>
+            </a:r>
+            <a:br>
+              <a:rPr lang="en-US" altLang="zh-CN" dirty="0"/>
+            </a:br>
+            <a:r>
+              <a:rPr lang="en-US" altLang="zh-CN" dirty="0"/>
+              <a:t>The features are fed into SVM classifiers of each class to determine whether they belong to this class.</a:t>
+            </a:r>
+            <a:br>
+              <a:rPr lang="en-US" altLang="zh-CN" dirty="0"/>
+            </a:br>
+            <a:r>
+              <a:rPr lang="en-US" altLang="zh-CN" dirty="0"/>
+              <a:t>Use regressors to fine-tune candidate box positions.</a:t>
+            </a:r>
+            <a:endParaRPr lang="en-US" altLang="en-US" dirty="0">
+              <a:latin typeface="Calibri" panose="020F0502020204030204" pitchFamily="34" charset="0"/>
+              <a:ea typeface="Calibri" panose="020F0502020204030204" pitchFamily="34" charset="0"/>
+              <a:cs typeface="Times New Roman" panose="02020603050405020304" pitchFamily="18" charset="0"/>
+            </a:endParaRPr>
+          </a:p>
+          <a:p>
+            <a:endParaRPr lang="en-US" altLang="en-US" dirty="0">
+              <a:latin typeface="Calibri" panose="020F0502020204030204" pitchFamily="34" charset="0"/>
+              <a:ea typeface="Calibri" panose="020F0502020204030204" pitchFamily="34" charset="0"/>
+              <a:cs typeface="Times New Roman" panose="02020603050405020304" pitchFamily="18" charset="0"/>
+            </a:endParaRPr>
+          </a:p>
+          <a:p>
+            <a:r>
+              <a:rPr lang="en-US" altLang="zh-CN" dirty="0"/>
+              <a:t> </a:t>
+            </a:r>
+            <a:endParaRPr lang="zh-CN" altLang="en-US" dirty="0"/>
           </a:p>
         </p:txBody>
       </p:sp>
     </p:spTree>
+    <p:extLst>
+      <p:ext uri="{BB962C8B-B14F-4D97-AF65-F5344CB8AC3E}">
+        <p14:creationId xmlns:p14="http://schemas.microsoft.com/office/powerpoint/2010/main" val="168194471"/>
+      </p:ext>
+    </p:extLst>
   </p:cSld>
   <p:clrMapOvr>
     <a:masterClrMapping/>
@@ -12460,7 +14318,7 @@
 </p:sld>
 </file>
 
-<file path=ppt/slides/slide7.xml><?xml version="1.0" encoding="utf-8"?>
+<file path=ppt/slides/slide8.xml><?xml version="1.0" encoding="utf-8"?>
 <p:sld xmlns:a="http://schemas.openxmlformats.org/drawingml/2006/main" xmlns:r="http://schemas.openxmlformats.org/officeDocument/2006/relationships" xmlns:p="http://schemas.openxmlformats.org/presentationml/2006/main">
   <p:cSld>
     <p:spTree>
@@ -12897,7 +14755,7 @@
               <a:pPr>
                 <a:defRPr/>
               </a:pPr>
-              <a:t>7</a:t>
+              <a:t>8</a:t>
             </a:fld>
             <a:endParaRPr lang="en-US" altLang="en-US" sz="1200">
               <a:solidFill>
@@ -13729,7 +15587,7 @@
 </p:sld>
 </file>
 
-<file path=ppt/slides/slide8.xml><?xml version="1.0" encoding="utf-8"?>
+<file path=ppt/slides/slide9.xml><?xml version="1.0" encoding="utf-8"?>
 <p:sld xmlns:a="http://schemas.openxmlformats.org/drawingml/2006/main" xmlns:r="http://schemas.openxmlformats.org/officeDocument/2006/relationships" xmlns:p="http://schemas.openxmlformats.org/presentationml/2006/main">
   <p:cSld>
     <p:spTree>
@@ -14372,7 +16230,7 @@
               <a:pPr>
                 <a:defRPr/>
               </a:pPr>
-              <a:t>8</a:t>
+              <a:t>9</a:t>
             </a:fld>
             <a:endParaRPr lang="en-US" altLang="en-US" sz="1200">
               <a:solidFill>
@@ -14597,797 +16455,6 @@
         <p14:creationId xmlns:p14="http://schemas.microsoft.com/office/powerpoint/2010/main" val="2850090285"/>
       </p:ext>
     </p:extLst>
-  </p:cSld>
-  <p:clrMapOvr>
-    <a:masterClrMapping/>
-  </p:clrMapOvr>
-</p:sld>
-</file>
-
-<file path=ppt/slides/slide9.xml><?xml version="1.0" encoding="utf-8"?>
-<p:sld xmlns:a="http://schemas.openxmlformats.org/drawingml/2006/main" xmlns:r="http://schemas.openxmlformats.org/officeDocument/2006/relationships" xmlns:p="http://schemas.openxmlformats.org/presentationml/2006/main">
-  <p:cSld>
-    <p:spTree>
-      <p:nvGrpSpPr>
-        <p:cNvPr id="1" name=""/>
-        <p:cNvGrpSpPr/>
-        <p:nvPr/>
-      </p:nvGrpSpPr>
-      <p:grpSpPr>
-        <a:xfrm>
-          <a:off x="0" y="0"/>
-          <a:ext cx="0" cy="0"/>
-          <a:chOff x="0" y="0"/>
-          <a:chExt cx="0" cy="0"/>
-        </a:xfrm>
-      </p:grpSpPr>
-      <p:sp>
-        <p:nvSpPr>
-          <p:cNvPr id="24579" name="Google Shape;231;p23">
-            <a:extLst>
-              <a:ext uri="{FF2B5EF4-FFF2-40B4-BE49-F238E27FC236}">
-                <a16:creationId xmlns:a16="http://schemas.microsoft.com/office/drawing/2014/main" id="{350C80A0-B832-4796-B1DE-EE8C917973E9}"/>
-              </a:ext>
-            </a:extLst>
-          </p:cNvPr>
-          <p:cNvSpPr>
-            <a:spLocks noGrp="1" noChangeArrowheads="1"/>
-          </p:cNvSpPr>
-          <p:nvPr>
-            <p:ph type="sldNum" sz="quarter" idx="13"/>
-          </p:nvPr>
-        </p:nvSpPr>
-        <p:spPr bwMode="auto">
-          <a:xfrm>
-            <a:off x="8610600" y="6356350"/>
-            <a:ext cx="2743200" cy="365125"/>
-          </a:xfrm>
-          <a:prstGeom prst="rect">
-            <a:avLst/>
-          </a:prstGeom>
-          <a:noFill/>
-          <a:ln>
-            <a:noFill/>
-          </a:ln>
-          <a:extLst>
-            <a:ext uri="{909E8E84-426E-40DD-AFC4-6F175D3DCCD1}">
-              <a14:hiddenFill xmlns:a14="http://schemas.microsoft.com/office/drawing/2010/main">
-                <a:solidFill>
-                  <a:srgbClr val="FFFFFF"/>
-                </a:solidFill>
-              </a14:hiddenFill>
-            </a:ext>
-            <a:ext uri="{91240B29-F687-4F45-9708-019B960494DF}">
-              <a14:hiddenLine xmlns:a14="http://schemas.microsoft.com/office/drawing/2010/main" w="9525">
-                <a:solidFill>
-                  <a:srgbClr val="000000"/>
-                </a:solidFill>
-                <a:miter lim="800000"/>
-                <a:headEnd/>
-                <a:tailEnd/>
-              </a14:hiddenLine>
-            </a:ext>
-          </a:extLst>
-        </p:spPr>
-        <p:txBody>
-          <a:bodyPr vert="horz" wrap="square" lIns="91425" tIns="45700" rIns="91425" bIns="45700" numCol="1" anchor="ctr" anchorCtr="0" compatLnSpc="1">
-            <a:prstTxWarp prst="textNoShape">
-              <a:avLst/>
-            </a:prstTxWarp>
-          </a:bodyPr>
-          <a:lstStyle>
-            <a:defPPr>
-              <a:defRPr lang="en-US"/>
-            </a:defPPr>
-            <a:lvl1pPr algn="r" rtl="0" eaLnBrk="1" fontAlgn="base" hangingPunct="1">
-              <a:spcBef>
-                <a:spcPct val="0"/>
-              </a:spcBef>
-              <a:spcAft>
-                <a:spcPct val="0"/>
-              </a:spcAft>
-              <a:buClr>
-                <a:srgbClr val="000000"/>
-              </a:buClr>
-              <a:buFont typeface="Arial" panose="020B0604020202020204" pitchFamily="34" charset="0"/>
-              <a:buNone/>
-              <a:defRPr sz="1200" kern="1200" smtClean="0">
-                <a:solidFill>
-                  <a:srgbClr val="888888"/>
-                </a:solidFill>
-                <a:latin typeface="Arial" panose="020B0604020202020204" pitchFamily="34" charset="0"/>
-                <a:ea typeface="+mn-ea"/>
-                <a:cs typeface="Arial" panose="020B0604020202020204" pitchFamily="34" charset="0"/>
-                <a:sym typeface="Arial" panose="020B0604020202020204" pitchFamily="34" charset="0"/>
-              </a:defRPr>
-            </a:lvl1pPr>
-            <a:lvl2pPr marL="457200" algn="l" rtl="0" eaLnBrk="0" fontAlgn="base" hangingPunct="0">
-              <a:spcBef>
-                <a:spcPct val="0"/>
-              </a:spcBef>
-              <a:spcAft>
-                <a:spcPct val="0"/>
-              </a:spcAft>
-              <a:defRPr sz="1400" kern="1200">
-                <a:solidFill>
-                  <a:srgbClr val="000000"/>
-                </a:solidFill>
-                <a:latin typeface="Arial" panose="020B0604020202020204" pitchFamily="34" charset="0"/>
-                <a:ea typeface="+mn-ea"/>
-                <a:cs typeface="Arial" panose="020B0604020202020204" pitchFamily="34" charset="0"/>
-                <a:sym typeface="Arial" panose="020B0604020202020204" pitchFamily="34" charset="0"/>
-              </a:defRPr>
-            </a:lvl2pPr>
-            <a:lvl3pPr marL="914400" algn="l" rtl="0" eaLnBrk="0" fontAlgn="base" hangingPunct="0">
-              <a:spcBef>
-                <a:spcPct val="0"/>
-              </a:spcBef>
-              <a:spcAft>
-                <a:spcPct val="0"/>
-              </a:spcAft>
-              <a:defRPr sz="1400" kern="1200">
-                <a:solidFill>
-                  <a:srgbClr val="000000"/>
-                </a:solidFill>
-                <a:latin typeface="Arial" panose="020B0604020202020204" pitchFamily="34" charset="0"/>
-                <a:ea typeface="+mn-ea"/>
-                <a:cs typeface="Arial" panose="020B0604020202020204" pitchFamily="34" charset="0"/>
-                <a:sym typeface="Arial" panose="020B0604020202020204" pitchFamily="34" charset="0"/>
-              </a:defRPr>
-            </a:lvl3pPr>
-            <a:lvl4pPr marL="1371600" algn="l" rtl="0" eaLnBrk="0" fontAlgn="base" hangingPunct="0">
-              <a:spcBef>
-                <a:spcPct val="0"/>
-              </a:spcBef>
-              <a:spcAft>
-                <a:spcPct val="0"/>
-              </a:spcAft>
-              <a:defRPr sz="1400" kern="1200">
-                <a:solidFill>
-                  <a:srgbClr val="000000"/>
-                </a:solidFill>
-                <a:latin typeface="Arial" panose="020B0604020202020204" pitchFamily="34" charset="0"/>
-                <a:ea typeface="+mn-ea"/>
-                <a:cs typeface="Arial" panose="020B0604020202020204" pitchFamily="34" charset="0"/>
-                <a:sym typeface="Arial" panose="020B0604020202020204" pitchFamily="34" charset="0"/>
-              </a:defRPr>
-            </a:lvl4pPr>
-            <a:lvl5pPr marL="1828800" algn="l" rtl="0" eaLnBrk="0" fontAlgn="base" hangingPunct="0">
-              <a:spcBef>
-                <a:spcPct val="0"/>
-              </a:spcBef>
-              <a:spcAft>
-                <a:spcPct val="0"/>
-              </a:spcAft>
-              <a:defRPr sz="1400" kern="1200">
-                <a:solidFill>
-                  <a:srgbClr val="000000"/>
-                </a:solidFill>
-                <a:latin typeface="Arial" panose="020B0604020202020204" pitchFamily="34" charset="0"/>
-                <a:ea typeface="+mn-ea"/>
-                <a:cs typeface="Arial" panose="020B0604020202020204" pitchFamily="34" charset="0"/>
-                <a:sym typeface="Arial" panose="020B0604020202020204" pitchFamily="34" charset="0"/>
-              </a:defRPr>
-            </a:lvl5pPr>
-            <a:lvl6pPr marL="2286000" algn="l" defTabSz="914400" rtl="0" eaLnBrk="1" latinLnBrk="0" hangingPunct="1">
-              <a:defRPr sz="1400" kern="1200">
-                <a:solidFill>
-                  <a:srgbClr val="000000"/>
-                </a:solidFill>
-                <a:latin typeface="Arial" panose="020B0604020202020204" pitchFamily="34" charset="0"/>
-                <a:ea typeface="+mn-ea"/>
-                <a:cs typeface="Arial" panose="020B0604020202020204" pitchFamily="34" charset="0"/>
-                <a:sym typeface="Arial" panose="020B0604020202020204" pitchFamily="34" charset="0"/>
-              </a:defRPr>
-            </a:lvl6pPr>
-            <a:lvl7pPr marL="2743200" algn="l" defTabSz="914400" rtl="0" eaLnBrk="1" latinLnBrk="0" hangingPunct="1">
-              <a:defRPr sz="1400" kern="1200">
-                <a:solidFill>
-                  <a:srgbClr val="000000"/>
-                </a:solidFill>
-                <a:latin typeface="Arial" panose="020B0604020202020204" pitchFamily="34" charset="0"/>
-                <a:ea typeface="+mn-ea"/>
-                <a:cs typeface="Arial" panose="020B0604020202020204" pitchFamily="34" charset="0"/>
-                <a:sym typeface="Arial" panose="020B0604020202020204" pitchFamily="34" charset="0"/>
-              </a:defRPr>
-            </a:lvl7pPr>
-            <a:lvl8pPr marL="3200400" algn="l" defTabSz="914400" rtl="0" eaLnBrk="1" latinLnBrk="0" hangingPunct="1">
-              <a:defRPr sz="1400" kern="1200">
-                <a:solidFill>
-                  <a:srgbClr val="000000"/>
-                </a:solidFill>
-                <a:latin typeface="Arial" panose="020B0604020202020204" pitchFamily="34" charset="0"/>
-                <a:ea typeface="+mn-ea"/>
-                <a:cs typeface="Arial" panose="020B0604020202020204" pitchFamily="34" charset="0"/>
-                <a:sym typeface="Arial" panose="020B0604020202020204" pitchFamily="34" charset="0"/>
-              </a:defRPr>
-            </a:lvl8pPr>
-            <a:lvl9pPr marL="3657600" algn="l" defTabSz="914400" rtl="0" eaLnBrk="1" latinLnBrk="0" hangingPunct="1">
-              <a:defRPr sz="1400" kern="1200">
-                <a:solidFill>
-                  <a:srgbClr val="000000"/>
-                </a:solidFill>
-                <a:latin typeface="Arial" panose="020B0604020202020204" pitchFamily="34" charset="0"/>
-                <a:ea typeface="+mn-ea"/>
-                <a:cs typeface="Arial" panose="020B0604020202020204" pitchFamily="34" charset="0"/>
-                <a:sym typeface="Arial" panose="020B0604020202020204" pitchFamily="34" charset="0"/>
-              </a:defRPr>
-            </a:lvl9pPr>
-          </a:lstStyle>
-          <a:p>
-            <a:pPr>
-              <a:defRPr/>
-            </a:pPr>
-            <a:fld id="{FFB91C40-FCB9-4641-83DA-0013B503C4F6}" type="slidenum">
-              <a:rPr lang="en-US" altLang="en-US" smtClean="0"/>
-              <a:pPr>
-                <a:defRPr/>
-              </a:pPr>
-              <a:t>9</a:t>
-            </a:fld>
-            <a:endParaRPr lang="en-US" altLang="en-US" sz="1200">
-              <a:solidFill>
-                <a:srgbClr val="888888"/>
-              </a:solidFill>
-            </a:endParaRPr>
-          </a:p>
-        </p:txBody>
-      </p:sp>
-      <p:sp>
-        <p:nvSpPr>
-          <p:cNvPr id="24580" name="Google Shape;232;p23">
-            <a:extLst>
-              <a:ext uri="{FF2B5EF4-FFF2-40B4-BE49-F238E27FC236}">
-                <a16:creationId xmlns:a16="http://schemas.microsoft.com/office/drawing/2014/main" id="{B8E31E7C-867A-47AA-9946-1E677A8F0ADB}"/>
-              </a:ext>
-            </a:extLst>
-          </p:cNvPr>
-          <p:cNvSpPr txBox="1">
-            <a:spLocks noChangeArrowheads="1"/>
-          </p:cNvSpPr>
-          <p:nvPr/>
-        </p:nvSpPr>
-        <p:spPr bwMode="auto">
-          <a:xfrm>
-            <a:off x="201613" y="92075"/>
-            <a:ext cx="6608762" cy="714375"/>
-          </a:xfrm>
-          <a:prstGeom prst="rect">
-            <a:avLst/>
-          </a:prstGeom>
-          <a:noFill/>
-          <a:ln w="9525">
-            <a:solidFill>
-              <a:schemeClr val="tx1"/>
-            </a:solidFill>
-            <a:round/>
-            <a:headEnd type="none" w="sm" len="sm"/>
-            <a:tailEnd type="none" w="sm" len="sm"/>
-          </a:ln>
-          <a:extLst>
-            <a:ext uri="{909E8E84-426E-40DD-AFC4-6F175D3DCCD1}">
-              <a14:hiddenFill xmlns:a14="http://schemas.microsoft.com/office/drawing/2010/main">
-                <a:solidFill>
-                  <a:srgbClr val="FFFFFF"/>
-                </a:solidFill>
-              </a14:hiddenFill>
-            </a:ext>
-          </a:extLst>
-        </p:spPr>
-        <p:txBody>
-          <a:bodyPr lIns="91425" tIns="45700" rIns="91425" bIns="45700" anchor="ctr"/>
-          <a:lstStyle>
-            <a:lvl1pPr>
-              <a:buClr>
-                <a:srgbClr val="000000"/>
-              </a:buClr>
-              <a:buFont typeface="Arial" panose="020B0604020202020204" pitchFamily="34" charset="0"/>
-              <a:defRPr sz="1400">
-                <a:solidFill>
-                  <a:srgbClr val="000000"/>
-                </a:solidFill>
-                <a:latin typeface="Arial" panose="020B0604020202020204" pitchFamily="34" charset="0"/>
-                <a:cs typeface="Arial" panose="020B0604020202020204" pitchFamily="34" charset="0"/>
-                <a:sym typeface="Arial" panose="020B0604020202020204" pitchFamily="34" charset="0"/>
-              </a:defRPr>
-            </a:lvl1pPr>
-            <a:lvl2pPr marL="742950" indent="-285750">
-              <a:buClr>
-                <a:srgbClr val="000000"/>
-              </a:buClr>
-              <a:buFont typeface="Arial" panose="020B0604020202020204" pitchFamily="34" charset="0"/>
-              <a:defRPr sz="1400">
-                <a:solidFill>
-                  <a:srgbClr val="000000"/>
-                </a:solidFill>
-                <a:latin typeface="Arial" panose="020B0604020202020204" pitchFamily="34" charset="0"/>
-                <a:cs typeface="Arial" panose="020B0604020202020204" pitchFamily="34" charset="0"/>
-                <a:sym typeface="Arial" panose="020B0604020202020204" pitchFamily="34" charset="0"/>
-              </a:defRPr>
-            </a:lvl2pPr>
-            <a:lvl3pPr marL="1143000" indent="-228600">
-              <a:buClr>
-                <a:srgbClr val="000000"/>
-              </a:buClr>
-              <a:buFont typeface="Arial" panose="020B0604020202020204" pitchFamily="34" charset="0"/>
-              <a:defRPr sz="1400">
-                <a:solidFill>
-                  <a:srgbClr val="000000"/>
-                </a:solidFill>
-                <a:latin typeface="Arial" panose="020B0604020202020204" pitchFamily="34" charset="0"/>
-                <a:cs typeface="Arial" panose="020B0604020202020204" pitchFamily="34" charset="0"/>
-                <a:sym typeface="Arial" panose="020B0604020202020204" pitchFamily="34" charset="0"/>
-              </a:defRPr>
-            </a:lvl3pPr>
-            <a:lvl4pPr marL="1600200" indent="-228600">
-              <a:buClr>
-                <a:srgbClr val="000000"/>
-              </a:buClr>
-              <a:buFont typeface="Arial" panose="020B0604020202020204" pitchFamily="34" charset="0"/>
-              <a:defRPr sz="1400">
-                <a:solidFill>
-                  <a:srgbClr val="000000"/>
-                </a:solidFill>
-                <a:latin typeface="Arial" panose="020B0604020202020204" pitchFamily="34" charset="0"/>
-                <a:cs typeface="Arial" panose="020B0604020202020204" pitchFamily="34" charset="0"/>
-                <a:sym typeface="Arial" panose="020B0604020202020204" pitchFamily="34" charset="0"/>
-              </a:defRPr>
-            </a:lvl4pPr>
-            <a:lvl5pPr marL="2057400" indent="-228600">
-              <a:buClr>
-                <a:srgbClr val="000000"/>
-              </a:buClr>
-              <a:buFont typeface="Arial" panose="020B0604020202020204" pitchFamily="34" charset="0"/>
-              <a:defRPr sz="1400">
-                <a:solidFill>
-                  <a:srgbClr val="000000"/>
-                </a:solidFill>
-                <a:latin typeface="Arial" panose="020B0604020202020204" pitchFamily="34" charset="0"/>
-                <a:cs typeface="Arial" panose="020B0604020202020204" pitchFamily="34" charset="0"/>
-                <a:sym typeface="Arial" panose="020B0604020202020204" pitchFamily="34" charset="0"/>
-              </a:defRPr>
-            </a:lvl5pPr>
-            <a:lvl6pPr marL="2514600" indent="-228600" eaLnBrk="0" fontAlgn="base" hangingPunct="0">
-              <a:spcBef>
-                <a:spcPct val="0"/>
-              </a:spcBef>
-              <a:spcAft>
-                <a:spcPct val="0"/>
-              </a:spcAft>
-              <a:buClr>
-                <a:srgbClr val="000000"/>
-              </a:buClr>
-              <a:buFont typeface="Arial" panose="020B0604020202020204" pitchFamily="34" charset="0"/>
-              <a:defRPr sz="1400">
-                <a:solidFill>
-                  <a:srgbClr val="000000"/>
-                </a:solidFill>
-                <a:latin typeface="Arial" panose="020B0604020202020204" pitchFamily="34" charset="0"/>
-                <a:cs typeface="Arial" panose="020B0604020202020204" pitchFamily="34" charset="0"/>
-                <a:sym typeface="Arial" panose="020B0604020202020204" pitchFamily="34" charset="0"/>
-              </a:defRPr>
-            </a:lvl6pPr>
-            <a:lvl7pPr marL="2971800" indent="-228600" eaLnBrk="0" fontAlgn="base" hangingPunct="0">
-              <a:spcBef>
-                <a:spcPct val="0"/>
-              </a:spcBef>
-              <a:spcAft>
-                <a:spcPct val="0"/>
-              </a:spcAft>
-              <a:buClr>
-                <a:srgbClr val="000000"/>
-              </a:buClr>
-              <a:buFont typeface="Arial" panose="020B0604020202020204" pitchFamily="34" charset="0"/>
-              <a:defRPr sz="1400">
-                <a:solidFill>
-                  <a:srgbClr val="000000"/>
-                </a:solidFill>
-                <a:latin typeface="Arial" panose="020B0604020202020204" pitchFamily="34" charset="0"/>
-                <a:cs typeface="Arial" panose="020B0604020202020204" pitchFamily="34" charset="0"/>
-                <a:sym typeface="Arial" panose="020B0604020202020204" pitchFamily="34" charset="0"/>
-              </a:defRPr>
-            </a:lvl7pPr>
-            <a:lvl8pPr marL="3429000" indent="-228600" eaLnBrk="0" fontAlgn="base" hangingPunct="0">
-              <a:spcBef>
-                <a:spcPct val="0"/>
-              </a:spcBef>
-              <a:spcAft>
-                <a:spcPct val="0"/>
-              </a:spcAft>
-              <a:buClr>
-                <a:srgbClr val="000000"/>
-              </a:buClr>
-              <a:buFont typeface="Arial" panose="020B0604020202020204" pitchFamily="34" charset="0"/>
-              <a:defRPr sz="1400">
-                <a:solidFill>
-                  <a:srgbClr val="000000"/>
-                </a:solidFill>
-                <a:latin typeface="Arial" panose="020B0604020202020204" pitchFamily="34" charset="0"/>
-                <a:cs typeface="Arial" panose="020B0604020202020204" pitchFamily="34" charset="0"/>
-                <a:sym typeface="Arial" panose="020B0604020202020204" pitchFamily="34" charset="0"/>
-              </a:defRPr>
-            </a:lvl8pPr>
-            <a:lvl9pPr marL="3886200" indent="-228600" eaLnBrk="0" fontAlgn="base" hangingPunct="0">
-              <a:spcBef>
-                <a:spcPct val="0"/>
-              </a:spcBef>
-              <a:spcAft>
-                <a:spcPct val="0"/>
-              </a:spcAft>
-              <a:buClr>
-                <a:srgbClr val="000000"/>
-              </a:buClr>
-              <a:buFont typeface="Arial" panose="020B0604020202020204" pitchFamily="34" charset="0"/>
-              <a:defRPr sz="1400">
-                <a:solidFill>
-                  <a:srgbClr val="000000"/>
-                </a:solidFill>
-                <a:latin typeface="Arial" panose="020B0604020202020204" pitchFamily="34" charset="0"/>
-                <a:cs typeface="Arial" panose="020B0604020202020204" pitchFamily="34" charset="0"/>
-                <a:sym typeface="Arial" panose="020B0604020202020204" pitchFamily="34" charset="0"/>
-              </a:defRPr>
-            </a:lvl9pPr>
-          </a:lstStyle>
-          <a:p>
-            <a:pPr algn="ctr" eaLnBrk="1" hangingPunct="1">
-              <a:lnSpc>
-                <a:spcPct val="90000"/>
-              </a:lnSpc>
-              <a:buSzPts val="2800"/>
-              <a:buFont typeface="Helvetica Neue" charset="0"/>
-              <a:buNone/>
-            </a:pPr>
-            <a:r>
-              <a:rPr lang="en-US" altLang="en-US" sz="2800">
-                <a:latin typeface="Helvetica Neue" charset="0"/>
-                <a:cs typeface="Helvetica Neue" charset="0"/>
-                <a:sym typeface="Helvetica Neue" charset="0"/>
-              </a:rPr>
-              <a:t>Understanding of Potential Algorithms</a:t>
-            </a:r>
-            <a:endParaRPr lang="en-US" altLang="en-US">
-              <a:cs typeface="Helvetica Neue" charset="0"/>
-            </a:endParaRPr>
-          </a:p>
-        </p:txBody>
-      </p:sp>
-      <p:sp>
-        <p:nvSpPr>
-          <p:cNvPr id="233" name="Google Shape;233;p23">
-            <a:extLst>
-              <a:ext uri="{FF2B5EF4-FFF2-40B4-BE49-F238E27FC236}">
-                <a16:creationId xmlns:a16="http://schemas.microsoft.com/office/drawing/2014/main" id="{5DDB50DE-F9D5-4A62-AB96-36CC529C12F6}"/>
-              </a:ext>
-            </a:extLst>
-          </p:cNvPr>
-          <p:cNvSpPr txBox="1"/>
-          <p:nvPr/>
-        </p:nvSpPr>
-        <p:spPr>
-          <a:xfrm>
-            <a:off x="431800" y="866775"/>
-            <a:ext cx="8013700" cy="4702175"/>
-          </a:xfrm>
-          <a:prstGeom prst="rect">
-            <a:avLst/>
-          </a:prstGeom>
-          <a:noFill/>
-          <a:ln>
-            <a:noFill/>
-          </a:ln>
-        </p:spPr>
-        <p:txBody>
-          <a:bodyPr spcFirstLastPara="1" lIns="91425" tIns="45700" rIns="91425" bIns="45700"/>
-          <a:lstStyle/>
-          <a:p>
-            <a:pPr marL="342900" indent="-342900" eaLnBrk="1" fontAlgn="auto" hangingPunct="1">
-              <a:lnSpc>
-                <a:spcPct val="200000"/>
-              </a:lnSpc>
-              <a:spcBef>
-                <a:spcPts val="0"/>
-              </a:spcBef>
-              <a:spcAft>
-                <a:spcPts val="0"/>
-              </a:spcAft>
-              <a:buClr>
-                <a:schemeClr val="dk1"/>
-              </a:buClr>
-              <a:buSzPts val="2100"/>
-              <a:buFont typeface="Wingdings" panose="05000000000000000000" pitchFamily="2" charset="2"/>
-              <a:buChar char="q"/>
-              <a:defRPr/>
-            </a:pPr>
-            <a:r>
-              <a:rPr lang="en-US" sz="2100" kern="0" dirty="0" err="1">
-                <a:solidFill>
-                  <a:schemeClr val="dk1"/>
-                </a:solidFill>
-                <a:ea typeface="Arial"/>
-                <a:cs typeface="Arial"/>
-                <a:sym typeface="Arial"/>
-              </a:rPr>
-              <a:t>SafariBooksOnline</a:t>
-            </a:r>
-            <a:endParaRPr lang="en-US" sz="2100" kern="0" dirty="0">
-              <a:solidFill>
-                <a:schemeClr val="dk1"/>
-              </a:solidFill>
-              <a:ea typeface="Arial"/>
-              <a:cs typeface="Arial"/>
-              <a:sym typeface="Arial"/>
-            </a:endParaRPr>
-          </a:p>
-          <a:p>
-            <a:pPr marL="742950" lvl="1" indent="-285750">
-              <a:buClr>
-                <a:schemeClr val="dk1"/>
-              </a:buClr>
-              <a:buSzPts val="2100"/>
-              <a:buFont typeface="Wingdings" panose="05000000000000000000" pitchFamily="2" charset="2"/>
-              <a:buChar char="§"/>
-              <a:defRPr/>
-            </a:pPr>
-            <a:r>
-              <a:rPr lang="en-US" kern="0" dirty="0">
-                <a:solidFill>
-                  <a:schemeClr val="dk1"/>
-                </a:solidFill>
-                <a:cs typeface="Arial"/>
-              </a:rPr>
-              <a:t>Deep Learning with TensorFlow: Applications of Deep Neural Networks to Machine Learning Task – Jon </a:t>
-            </a:r>
-            <a:r>
-              <a:rPr lang="en-US" kern="0" dirty="0" err="1">
-                <a:solidFill>
-                  <a:schemeClr val="dk1"/>
-                </a:solidFill>
-                <a:cs typeface="Arial"/>
-              </a:rPr>
-              <a:t>Krohn</a:t>
-            </a:r>
-            <a:endParaRPr lang="en-US" sz="2100" kern="0" dirty="0">
-              <a:solidFill>
-                <a:schemeClr val="dk1"/>
-              </a:solidFill>
-              <a:ea typeface="Arial"/>
-              <a:cs typeface="Arial"/>
-              <a:sym typeface="Arial"/>
-            </a:endParaRPr>
-          </a:p>
-          <a:p>
-            <a:pPr marL="342900" indent="-342900" eaLnBrk="1" fontAlgn="auto" hangingPunct="1">
-              <a:spcBef>
-                <a:spcPts val="0"/>
-              </a:spcBef>
-              <a:spcAft>
-                <a:spcPts val="0"/>
-              </a:spcAft>
-              <a:buClr>
-                <a:schemeClr val="dk1"/>
-              </a:buClr>
-              <a:buSzPts val="2100"/>
-              <a:buFont typeface="Wingdings" panose="05000000000000000000" pitchFamily="2" charset="2"/>
-              <a:buChar char="q"/>
-              <a:defRPr/>
-            </a:pPr>
-            <a:r>
-              <a:rPr lang="en-US" sz="2100" kern="0" dirty="0">
-                <a:solidFill>
-                  <a:schemeClr val="dk1"/>
-                </a:solidFill>
-                <a:ea typeface="Arial"/>
-                <a:cs typeface="Arial"/>
-                <a:sym typeface="Arial"/>
-              </a:rPr>
-              <a:t>Previous coursework material – GMU CS580 (attended by team member)</a:t>
-            </a:r>
-          </a:p>
-          <a:p>
-            <a:pPr marL="342900" indent="-342900" eaLnBrk="1" fontAlgn="auto" hangingPunct="1">
-              <a:lnSpc>
-                <a:spcPct val="200000"/>
-              </a:lnSpc>
-              <a:spcBef>
-                <a:spcPts val="0"/>
-              </a:spcBef>
-              <a:spcAft>
-                <a:spcPts val="0"/>
-              </a:spcAft>
-              <a:buClr>
-                <a:schemeClr val="dk1"/>
-              </a:buClr>
-              <a:buSzPts val="2100"/>
-              <a:buFont typeface="Wingdings" panose="05000000000000000000" pitchFamily="2" charset="2"/>
-              <a:buChar char="q"/>
-              <a:defRPr/>
-            </a:pPr>
-            <a:r>
-              <a:rPr lang="en-US" sz="2100" kern="0" dirty="0">
-                <a:ea typeface="Arial"/>
-                <a:cs typeface="Arial"/>
-                <a:sym typeface="Arial"/>
-              </a:rPr>
-              <a:t>Publication/Articles </a:t>
-            </a:r>
-          </a:p>
-          <a:p>
-            <a:pPr eaLnBrk="1" fontAlgn="auto" hangingPunct="1">
-              <a:spcBef>
-                <a:spcPts val="0"/>
-              </a:spcBef>
-              <a:spcAft>
-                <a:spcPts val="0"/>
-              </a:spcAft>
-              <a:buClr>
-                <a:schemeClr val="dk1"/>
-              </a:buClr>
-              <a:buSzPts val="2100"/>
-              <a:defRPr/>
-            </a:pPr>
-            <a:r>
-              <a:rPr lang="en-US" dirty="0">
-                <a:hlinkClick r:id="rId3"/>
-              </a:rPr>
-              <a:t>https://blog.keras.io/building-powerful-image-classification-models-using-very-little-data.html</a:t>
-            </a:r>
-            <a:endParaRPr lang="en-US" dirty="0"/>
-          </a:p>
-          <a:p>
-            <a:pPr eaLnBrk="1" fontAlgn="auto" hangingPunct="1">
-              <a:spcBef>
-                <a:spcPts val="0"/>
-              </a:spcBef>
-              <a:spcAft>
-                <a:spcPts val="0"/>
-              </a:spcAft>
-              <a:buClr>
-                <a:schemeClr val="dk1"/>
-              </a:buClr>
-              <a:buSzPts val="2100"/>
-              <a:defRPr/>
-            </a:pPr>
-            <a:r>
-              <a:rPr lang="en-US" dirty="0">
-                <a:hlinkClick r:id="rId4"/>
-              </a:rPr>
-              <a:t>https://machinelearningmastery.com/cnn-long-short-term-memory-networks/</a:t>
-            </a:r>
-            <a:endParaRPr lang="en-US" dirty="0"/>
-          </a:p>
-          <a:p>
-            <a:pPr eaLnBrk="1" fontAlgn="auto" hangingPunct="1">
-              <a:spcBef>
-                <a:spcPts val="0"/>
-              </a:spcBef>
-              <a:spcAft>
-                <a:spcPts val="0"/>
-              </a:spcAft>
-              <a:buClr>
-                <a:schemeClr val="dk1"/>
-              </a:buClr>
-              <a:buSzPts val="2100"/>
-              <a:defRPr/>
-            </a:pPr>
-            <a:r>
-              <a:rPr lang="en-US" dirty="0">
-                <a:hlinkClick r:id="rId5"/>
-              </a:rPr>
-              <a:t>https://blog.algorithmia.com/introduction-to-deep-learning/</a:t>
-            </a:r>
-            <a:endParaRPr lang="en-US" dirty="0"/>
-          </a:p>
-          <a:p>
-            <a:pPr>
-              <a:buClr>
-                <a:schemeClr val="dk1"/>
-              </a:buClr>
-              <a:buSzPts val="2100"/>
-              <a:defRPr/>
-            </a:pPr>
-            <a:r>
-              <a:rPr lang="en-US" dirty="0">
-                <a:hlinkClick r:id="rId6"/>
-              </a:rPr>
-              <a:t>https://link.springer.com/chapter/10.1007/978-3-030-01424-7_25</a:t>
-            </a:r>
-            <a:endParaRPr lang="en-US" dirty="0"/>
-          </a:p>
-          <a:p>
-            <a:pPr>
-              <a:buClr>
-                <a:schemeClr val="dk1"/>
-              </a:buClr>
-              <a:buSzPts val="2100"/>
-              <a:defRPr/>
-            </a:pPr>
-            <a:r>
-              <a:rPr lang="en-US" dirty="0">
-                <a:hlinkClick r:id="rId7"/>
-              </a:rPr>
-              <a:t>https://arxiv.org/abs/1512.03385</a:t>
-            </a:r>
-            <a:endParaRPr lang="en-US" dirty="0"/>
-          </a:p>
-          <a:p>
-            <a:r>
-              <a:rPr lang="en-US" u="sng" dirty="0">
-                <a:hlinkClick r:id="rId8"/>
-              </a:rPr>
-              <a:t>https://www.youtube.com/watch?v=Jy9-aGMB_TE</a:t>
-            </a:r>
-            <a:r>
-              <a:rPr lang="en-US" dirty="0"/>
-              <a:t> (discusses CNN)</a:t>
-            </a:r>
-          </a:p>
-          <a:p>
-            <a:r>
-              <a:rPr lang="en-US" u="sng" dirty="0">
-                <a:hlinkClick r:id="rId9"/>
-              </a:rPr>
-              <a:t>https://towardsdatascience.com/build-your-own-convolution-neural-network-in-5-mins-4217c2cf964f</a:t>
-            </a:r>
-            <a:r>
-              <a:rPr lang="en-US" dirty="0"/>
-              <a:t> (Convolution Neural Networks)</a:t>
-            </a:r>
-          </a:p>
-          <a:p>
-            <a:r>
-              <a:rPr lang="en-US" u="sng" dirty="0">
-                <a:hlinkClick r:id="rId10"/>
-              </a:rPr>
-              <a:t>https://skymind.ai/wiki/neural-network#define</a:t>
-            </a:r>
-            <a:r>
-              <a:rPr lang="en-US" dirty="0"/>
-              <a:t> (Deep Learning Brief Overview)</a:t>
-            </a:r>
-          </a:p>
-          <a:p>
-            <a:pPr>
-              <a:buClr>
-                <a:schemeClr val="dk1"/>
-              </a:buClr>
-              <a:buSzPts val="2100"/>
-              <a:defRPr/>
-            </a:pPr>
-            <a:endParaRPr lang="en-US" dirty="0"/>
-          </a:p>
-        </p:txBody>
-      </p:sp>
-      <p:pic>
-        <p:nvPicPr>
-          <p:cNvPr id="6" name="Picture 5">
-            <a:extLst>
-              <a:ext uri="{FF2B5EF4-FFF2-40B4-BE49-F238E27FC236}">
-                <a16:creationId xmlns:a16="http://schemas.microsoft.com/office/drawing/2014/main" id="{0BD6E664-60BB-4AB6-86BE-3A04A08B6B2C}"/>
-              </a:ext>
-            </a:extLst>
-          </p:cNvPr>
-          <p:cNvPicPr>
-            <a:picLocks noChangeAspect="1"/>
-          </p:cNvPicPr>
-          <p:nvPr/>
-        </p:nvPicPr>
-        <p:blipFill>
-          <a:blip r:embed="rId11"/>
-          <a:stretch>
-            <a:fillRect/>
-          </a:stretch>
-        </p:blipFill>
-        <p:spPr>
-          <a:xfrm>
-            <a:off x="10959428" y="136525"/>
-            <a:ext cx="1032088" cy="1226186"/>
-          </a:xfrm>
-          <a:prstGeom prst="rect">
-            <a:avLst/>
-          </a:prstGeom>
-        </p:spPr>
-      </p:pic>
-    </p:spTree>
   </p:cSld>
   <p:clrMapOvr>
     <a:masterClrMapping/>

--- a/Documentation/SprintPresentations/Sprint3-Week1.pptx
+++ b/Documentation/SprintPresentations/Sprint3-Week1.pptx
@@ -12830,7 +12830,7 @@
           <p:nvPr>
             <p:extLst>
               <p:ext uri="{D42A27DB-BD31-4B8C-83A1-F6EECF244321}">
-                <p14:modId xmlns:p14="http://schemas.microsoft.com/office/powerpoint/2010/main" val="4290612147"/>
+                <p14:modId xmlns:p14="http://schemas.microsoft.com/office/powerpoint/2010/main" val="3742539697"/>
               </p:ext>
             </p:extLst>
           </p:nvPr>
@@ -13044,7 +13044,19 @@
                           <a:ea typeface="+mn-ea"/>
                           <a:cs typeface="+mn-cs"/>
                         </a:rPr>
-                        <a:t>. Run </a:t>
+                        <a:t>. </a:t>
+                      </a:r>
+                      <a:r>
+                        <a:rPr lang="en-US" sz="1200" kern="1200">
+                          <a:solidFill>
+                            <a:schemeClr val="dk1"/>
+                          </a:solidFill>
+                          <a:effectLst/>
+                          <a:latin typeface="+mn-lt"/>
+                          <a:ea typeface="+mn-ea"/>
+                          <a:cs typeface="+mn-cs"/>
+                        </a:rPr>
+                        <a:t>Completed run </a:t>
                       </a:r>
                       <a:r>
                         <a:rPr lang="en-US" sz="1200" dirty="0">
